--- a/Yale_Poster_Alfredo_jac_36x48.pptx
+++ b/Yale_Poster_Alfredo_jac_36x48.pptx
@@ -1989,8 +1989,8 @@
         </p:blipFill>
         <p:spPr>
           <a:xfrm>
-            <a:off x="21945600" y="21122640"/>
-            <a:ext cx="4754880" cy="7498080"/>
+            <a:off x="26331584" y="21175052"/>
+            <a:ext cx="8586480" cy="7581556"/>
           </a:xfrm>
           <a:prstGeom prst="rect">
             <a:avLst/>
@@ -2019,8 +2019,8 @@
         </p:blipFill>
         <p:spPr>
           <a:xfrm>
-            <a:off x="13441680" y="9144000"/>
-            <a:ext cx="4114800" cy="8321040"/>
+            <a:off x="11129199" y="9208250"/>
+            <a:ext cx="7500991" cy="8329021"/>
           </a:xfrm>
           <a:prstGeom prst="rect">
             <a:avLst/>
@@ -2056,8 +2056,8 @@
         </p:blipFill>
         <p:spPr bwMode="auto">
           <a:xfrm>
-            <a:off x="22585680" y="14630400"/>
-            <a:ext cx="9601200" cy="4937760"/>
+            <a:off x="27492103" y="14652181"/>
+            <a:ext cx="17236090" cy="4939668"/>
           </a:xfrm>
           <a:prstGeom prst="rect">
             <a:avLst/>
@@ -2081,8 +2081,8 @@
         </p:nvSpPr>
         <p:spPr>
           <a:xfrm>
-            <a:off x="0" y="0"/>
-            <a:ext cx="5760720" cy="5760720"/>
+            <a:off x="-12956451" y="29956"/>
+            <a:ext cx="10426114" cy="5785662"/>
           </a:xfrm>
           <a:prstGeom prst="rect">
             <a:avLst/>
@@ -2129,8 +2129,8 @@
         </p:nvSpPr>
         <p:spPr>
           <a:xfrm>
-            <a:off x="6583680" y="2011680"/>
-            <a:ext cx="22768560" cy="2651760"/>
+            <a:off x="-1077737" y="2096176"/>
+            <a:ext cx="40806551" cy="2679453"/>
           </a:xfrm>
           <a:prstGeom prst="rect">
             <a:avLst/>
@@ -2151,7 +2151,7 @@
               </a:spcBef>
             </a:pPr>
             <a:r>
-              <a:rPr lang="en-US" sz="3274" dirty="0">
+              <a:rPr lang="en-US" sz="5852" dirty="0">
                 <a:solidFill>
                   <a:schemeClr val="bg1"/>
                 </a:solidFill>
@@ -2169,7 +2169,7 @@
               </a:spcBef>
             </a:pPr>
             <a:r>
-              <a:rPr lang="en-US" sz="2619" dirty="0">
+              <a:rPr lang="en-US" sz="4682" dirty="0">
                 <a:solidFill>
                   <a:schemeClr val="bg1"/>
                 </a:solidFill>
@@ -2200,8 +2200,8 @@
         </p:blipFill>
         <p:spPr>
           <a:xfrm>
-            <a:off x="29809440" y="640080"/>
-            <a:ext cx="2377440" cy="4297680"/>
+            <a:off x="40441779" y="669246"/>
+            <a:ext cx="4340431" cy="4340431"/>
           </a:xfrm>
           <a:prstGeom prst="rect">
             <a:avLst/>
@@ -2216,8 +2216,8 @@
         </p:nvSpPr>
         <p:spPr>
           <a:xfrm>
-            <a:off x="4206240" y="6309360"/>
-            <a:ext cx="2011680" cy="731520"/>
+            <a:off x="-5426808" y="6313503"/>
+            <a:ext cx="3608666" cy="804610"/>
           </a:xfrm>
           <a:prstGeom prst="rect">
             <a:avLst/>
@@ -2238,7 +2238,7 @@
               </a:spcBef>
             </a:pPr>
             <a:r>
-              <a:rPr sz="2619" b="1" spc="60" dirty="0">
+              <a:rPr sz="4682" b="1" spc="60" dirty="0">
                 <a:solidFill>
                   <a:srgbClr val="00346B"/>
                 </a:solidFill>
@@ -2262,8 +2262,8 @@
         </p:nvSpPr>
         <p:spPr>
           <a:xfrm>
-            <a:off x="0" y="7406640"/>
-            <a:ext cx="32826960" cy="91440"/>
+            <a:off x="-12956451" y="7441809"/>
+            <a:ext cx="58821611" cy="133789"/>
           </a:xfrm>
           <a:custGeom>
             <a:avLst/>
@@ -2304,8 +2304,8 @@
         </p:nvSpPr>
         <p:spPr>
           <a:xfrm>
-            <a:off x="365760" y="7680960"/>
-            <a:ext cx="10241280" cy="8778240"/>
+            <a:off x="-12194577" y="7685953"/>
+            <a:ext cx="18397192" cy="8863779"/>
           </a:xfrm>
           <a:prstGeom prst="rect">
             <a:avLst/>
@@ -2326,7 +2326,7 @@
               </a:spcBef>
             </a:pPr>
             <a:r>
-              <a:rPr lang="en-US" sz="2292" dirty="0">
+              <a:rPr lang="en-US" sz="4096" dirty="0">
                 <a:latin typeface="Tahoma" panose="020B0604030504040204" pitchFamily="34" charset="0"/>
                 <a:ea typeface="Tahoma" panose="020B0604030504040204" pitchFamily="34" charset="0"/>
                 <a:cs typeface="Tahoma" panose="020B0604030504040204" pitchFamily="34" charset="0"/>
@@ -2336,7 +2336,7 @@
           </a:p>
           <a:p>
             <a:r>
-              <a:rPr lang="en-US" sz="2292" b="1" dirty="0">
+              <a:rPr lang="en-US" sz="4096" b="1" dirty="0">
                 <a:latin typeface="Tahoma" panose="020B0604030504040204" pitchFamily="34" charset="0"/>
                 <a:ea typeface="Tahoma" panose="020B0604030504040204" pitchFamily="34" charset="0"/>
                 <a:cs typeface="Tahoma" panose="020B0604030504040204" pitchFamily="34" charset="0"/>
@@ -2344,7 +2344,7 @@
               <a:t>The Convergent Phenotype Hypothesis</a:t>
             </a:r>
             <a:r>
-              <a:rPr lang="en-US" sz="2292" dirty="0">
+              <a:rPr lang="en-US" sz="4096" dirty="0">
                 <a:latin typeface="Tahoma" panose="020B0604030504040204" pitchFamily="34" charset="0"/>
                 <a:ea typeface="Tahoma" panose="020B0604030504040204" pitchFamily="34" charset="0"/>
                 <a:cs typeface="Tahoma" panose="020B0604030504040204" pitchFamily="34" charset="0"/>
@@ -2358,7 +2358,7 @@
               <a:buChar char="•"/>
             </a:pPr>
             <a:r>
-              <a:rPr lang="en-US" sz="2292" b="1" dirty="0">
+              <a:rPr lang="en-US" sz="4096" b="1" dirty="0">
                 <a:latin typeface="Tahoma" panose="020B0604030504040204" pitchFamily="34" charset="0"/>
                 <a:ea typeface="Tahoma" panose="020B0604030504040204" pitchFamily="34" charset="0"/>
                 <a:cs typeface="Tahoma" panose="020B0604030504040204" pitchFamily="34" charset="0"/>
@@ -2366,7 +2366,7 @@
               <a:t>GRIN2A</a:t>
             </a:r>
             <a:r>
-              <a:rPr lang="en-US" sz="2292" dirty="0">
+              <a:rPr lang="en-US" sz="4096" dirty="0">
                 <a:latin typeface="Tahoma" panose="020B0604030504040204" pitchFamily="34" charset="0"/>
                 <a:ea typeface="Tahoma" panose="020B0604030504040204" pitchFamily="34" charset="0"/>
                 <a:cs typeface="Tahoma" panose="020B0604030504040204" pitchFamily="34" charset="0"/>
@@ -2380,7 +2380,7 @@
               <a:buChar char="•"/>
             </a:pPr>
             <a:r>
-              <a:rPr lang="en-US" sz="2292" b="1" dirty="0">
+              <a:rPr lang="en-US" sz="4096" b="1" dirty="0">
                 <a:latin typeface="Tahoma" panose="020B0604030504040204" pitchFamily="34" charset="0"/>
                 <a:ea typeface="Tahoma" panose="020B0604030504040204" pitchFamily="34" charset="0"/>
                 <a:cs typeface="Tahoma" panose="020B0604030504040204" pitchFamily="34" charset="0"/>
@@ -2388,7 +2388,7 @@
               <a:t>GRIN2B</a:t>
             </a:r>
             <a:r>
-              <a:rPr lang="en-US" sz="2292" dirty="0">
+              <a:rPr lang="en-US" sz="4096" dirty="0">
                 <a:latin typeface="Tahoma" panose="020B0604030504040204" pitchFamily="34" charset="0"/>
                 <a:ea typeface="Tahoma" panose="020B0604030504040204" pitchFamily="34" charset="0"/>
                 <a:cs typeface="Tahoma" panose="020B0604030504040204" pitchFamily="34" charset="0"/>
@@ -2402,7 +2402,7 @@
               <a:buChar char="•"/>
             </a:pPr>
             <a:r>
-              <a:rPr lang="en-US" sz="2292" b="1" dirty="0">
+              <a:rPr lang="en-US" sz="4096" b="1" dirty="0">
                 <a:latin typeface="Tahoma" panose="020B0604030504040204" pitchFamily="34" charset="0"/>
                 <a:ea typeface="Tahoma" panose="020B0604030504040204" pitchFamily="34" charset="0"/>
                 <a:cs typeface="Tahoma" panose="020B0604030504040204" pitchFamily="34" charset="0"/>
@@ -2410,7 +2410,7 @@
               <a:t>MECP2</a:t>
             </a:r>
             <a:r>
-              <a:rPr lang="en-US" sz="2292" dirty="0">
+              <a:rPr lang="en-US" sz="4096" dirty="0">
                 <a:latin typeface="Tahoma" panose="020B0604030504040204" pitchFamily="34" charset="0"/>
                 <a:ea typeface="Tahoma" panose="020B0604030504040204" pitchFamily="34" charset="0"/>
                 <a:cs typeface="Tahoma" panose="020B0604030504040204" pitchFamily="34" charset="0"/>
@@ -2420,7 +2420,7 @@
           </a:p>
           <a:p>
             <a:r>
-              <a:rPr lang="en-US" sz="2292" b="1" dirty="0">
+              <a:rPr lang="en-US" sz="4096" b="1" dirty="0">
                 <a:latin typeface="Tahoma" panose="020B0604030504040204" pitchFamily="34" charset="0"/>
                 <a:ea typeface="Tahoma" panose="020B0604030504040204" pitchFamily="34" charset="0"/>
                 <a:cs typeface="Tahoma" panose="020B0604030504040204" pitchFamily="34" charset="0"/>
@@ -2428,7 +2428,7 @@
               <a:t>Research Question</a:t>
             </a:r>
             <a:r>
-              <a:rPr lang="en-US" sz="2292" dirty="0">
+              <a:rPr lang="en-US" sz="4096" dirty="0">
                 <a:latin typeface="Tahoma" panose="020B0604030504040204" pitchFamily="34" charset="0"/>
                 <a:ea typeface="Tahoma" panose="020B0604030504040204" pitchFamily="34" charset="0"/>
                 <a:cs typeface="Tahoma" panose="020B0604030504040204" pitchFamily="34" charset="0"/>
@@ -2462,8 +2462,8 @@
         </p:nvSpPr>
         <p:spPr>
           <a:xfrm>
-            <a:off x="13990320" y="6126480"/>
-            <a:ext cx="6126480" cy="731520"/>
+            <a:off x="12096218" y="6198185"/>
+            <a:ext cx="11110308" cy="769309"/>
           </a:xfrm>
           <a:prstGeom prst="rect">
             <a:avLst/>
@@ -2484,7 +2484,7 @@
               </a:spcBef>
             </a:pPr>
             <a:r>
-              <a:rPr lang="en-US" sz="2619" b="1" spc="55" dirty="0">
+              <a:rPr lang="en-US" sz="4682" b="1" spc="55" dirty="0">
                 <a:solidFill>
                   <a:srgbClr val="00346B"/>
                 </a:solidFill>
@@ -2508,8 +2508,8 @@
         </p:nvSpPr>
         <p:spPr>
           <a:xfrm>
-            <a:off x="11612880" y="17922240"/>
-            <a:ext cx="7955280" cy="1463040"/>
+            <a:off x="7865181" y="17941222"/>
+            <a:ext cx="14279235" cy="1536746"/>
           </a:xfrm>
           <a:prstGeom prst="rect">
             <a:avLst/>
@@ -2530,7 +2530,7 @@
               </a:spcBef>
             </a:pPr>
             <a:r>
-              <a:rPr sz="1801" dirty="0">
+              <a:rPr sz="3218" dirty="0">
                 <a:solidFill>
                   <a:srgbClr val="00346B"/>
                 </a:solidFill>
@@ -2540,7 +2540,7 @@
               <a:t>Figure 3. </a:t>
             </a:r>
             <a:r>
-              <a:rPr lang="en-US" sz="1801" dirty="0"/>
+              <a:rPr lang="en-US" sz="3218" dirty="0"/>
               <a:t>Mice run freely on a wheel while widefield calcium imaging captures neural activity across the dorsal cortex. Data is parcellated into 82 brain regions across 3 seconds</a:t>
             </a:r>
             <a:endParaRPr sz="1100" dirty="0">
@@ -2558,8 +2558,8 @@
         </p:nvSpPr>
         <p:spPr>
           <a:xfrm>
-            <a:off x="11338560" y="20574000"/>
-            <a:ext cx="10607040" cy="3108960"/>
+            <a:off x="7452793" y="20661794"/>
+            <a:ext cx="19096492" cy="3193578"/>
           </a:xfrm>
           <a:prstGeom prst="rect">
             <a:avLst/>
@@ -2572,47 +2572,47 @@
           <a:lstStyle/>
           <a:p>
             <a:r>
-              <a:rPr lang="en-US" sz="2292" dirty="0"/>
+              <a:rPr lang="en-US" sz="4096" dirty="0"/>
               <a:t>We developed a Vision Transformer adapted for neural time series:</a:t>
             </a:r>
           </a:p>
           <a:p>
             <a:r>
-              <a:rPr lang="en-US" sz="2292" b="1" dirty="0"/>
+              <a:rPr lang="en-US" sz="4096" b="1" dirty="0"/>
               <a:t>Input</a:t>
             </a:r>
             <a:r>
-              <a:rPr lang="en-US" sz="2292" dirty="0"/>
+              <a:rPr lang="en-US" sz="4096" dirty="0"/>
               <a:t>: 82 regions × 30 timepoints → 246 patches</a:t>
             </a:r>
           </a:p>
           <a:p>
             <a:r>
-              <a:rPr lang="en-US" sz="2292" b="1" dirty="0"/>
+              <a:rPr lang="en-US" sz="4096" b="1" dirty="0"/>
               <a:t>Architecture</a:t>
             </a:r>
             <a:r>
-              <a:rPr lang="en-US" sz="2292" dirty="0"/>
+              <a:rPr lang="en-US" sz="4096" dirty="0"/>
               <a:t>: 6 transformer layers, single-head attention, 128-dim embeddings</a:t>
             </a:r>
           </a:p>
           <a:p>
             <a:r>
-              <a:rPr lang="en-US" sz="2292" b="1" dirty="0"/>
+              <a:rPr lang="en-US" sz="4096" b="1" dirty="0"/>
               <a:t>Training</a:t>
             </a:r>
             <a:r>
-              <a:rPr lang="en-US" sz="2292" dirty="0"/>
+              <a:rPr lang="en-US" sz="4096" dirty="0"/>
               <a:t>: 244,205 windows with session-level train/validation split</a:t>
             </a:r>
           </a:p>
           <a:p>
             <a:r>
-              <a:rPr lang="en-US" sz="2292" b="1" dirty="0"/>
+              <a:rPr lang="en-US" sz="4096" b="1" dirty="0"/>
               <a:t>Key Innovation</a:t>
             </a:r>
             <a:r>
-              <a:rPr lang="en-US" sz="2292" dirty="0"/>
+              <a:rPr lang="en-US" sz="4096" dirty="0"/>
               <a:t>: Treats brain activity as spatiotemporal "image" for AI analysis</a:t>
             </a:r>
           </a:p>
@@ -2626,8 +2626,8 @@
         </p:nvSpPr>
         <p:spPr>
           <a:xfrm>
-            <a:off x="11521440" y="33741360"/>
-            <a:ext cx="8321040" cy="1463040"/>
+            <a:off x="7762721" y="33763890"/>
+            <a:ext cx="14940103" cy="1536746"/>
           </a:xfrm>
           <a:prstGeom prst="rect">
             <a:avLst/>
@@ -2648,7 +2648,7 @@
               </a:spcBef>
             </a:pPr>
             <a:r>
-              <a:rPr sz="1801" dirty="0">
+              <a:rPr sz="3218" dirty="0">
                 <a:solidFill>
                   <a:srgbClr val="00346B"/>
                 </a:solidFill>
@@ -2658,7 +2658,7 @@
               <a:t>Figure</a:t>
             </a:r>
             <a:r>
-              <a:rPr sz="1801" spc="-20" dirty="0">
+              <a:rPr sz="3218" spc="-20" dirty="0">
                 <a:solidFill>
                   <a:srgbClr val="00346B"/>
                 </a:solidFill>
@@ -2668,7 +2668,7 @@
               <a:t> </a:t>
             </a:r>
             <a:r>
-              <a:rPr sz="1801" dirty="0">
+              <a:rPr sz="3218" dirty="0">
                 <a:solidFill>
                   <a:srgbClr val="00346B"/>
                 </a:solidFill>
@@ -2678,7 +2678,7 @@
               <a:t>4.</a:t>
             </a:r>
             <a:r>
-              <a:rPr sz="1801" spc="-15" dirty="0">
+              <a:rPr sz="3218" spc="-15" dirty="0">
                 <a:solidFill>
                   <a:srgbClr val="00346B"/>
                 </a:solidFill>
@@ -2688,7 +2688,7 @@
               <a:t> </a:t>
             </a:r>
             <a:r>
-              <a:rPr lang="en-US" sz="1801" dirty="0"/>
+              <a:rPr lang="en-US" sz="3218" dirty="0"/>
               <a:t>Vision Transformer processes 3-second brain activity windows by dividing them into patches (82 regions × 3 time segments). Self-attention mechanisms learn which brain patterns distinguish autism models from controls.</a:t>
             </a:r>
             <a:endParaRPr sz="1100" dirty="0">
@@ -2706,8 +2706,8 @@
         </p:nvSpPr>
         <p:spPr>
           <a:xfrm>
-            <a:off x="11155680" y="37124640"/>
-            <a:ext cx="9875520" cy="2468880"/>
+            <a:off x="7093761" y="37200471"/>
+            <a:ext cx="17725578" cy="2539290"/>
           </a:xfrm>
           <a:prstGeom prst="rect">
             <a:avLst/>
@@ -2728,15 +2728,15 @@
               </a:spcBef>
             </a:pPr>
             <a:r>
-              <a:rPr lang="en-US" sz="2292" dirty="0"/>
+              <a:rPr lang="en-US" sz="4096" dirty="0"/>
               <a:t>Our Brain Vision Transformer achieved </a:t>
             </a:r>
             <a:r>
-              <a:rPr lang="en-US" sz="2292" b="1" dirty="0"/>
+              <a:rPr lang="en-US" sz="4096" b="1" dirty="0"/>
               <a:t>82% test accuracy</a:t>
             </a:r>
             <a:r>
-              <a:rPr lang="en-US" sz="2292" dirty="0"/>
+              <a:rPr lang="en-US" sz="4096" dirty="0"/>
               <a:t> in distinguishing autism models from controls across all three genes combined, demonstrating that different genetic mutations cause detectable, unique patterns of altered cortical activity.</a:t>
             </a:r>
             <a:endParaRPr sz="1350" dirty="0">
@@ -2754,8 +2754,8 @@
         </p:nvSpPr>
         <p:spPr>
           <a:xfrm>
-            <a:off x="22860000" y="6035040"/>
-            <a:ext cx="9875520" cy="822960"/>
+            <a:off x="27909249" y="6120839"/>
+            <a:ext cx="17651249" cy="880015"/>
           </a:xfrm>
           <a:prstGeom prst="rect">
             <a:avLst/>
@@ -2779,7 +2779,7 @@
               </a:spcBef>
             </a:pPr>
             <a:r>
-              <a:rPr lang="en-US" sz="2619" b="1" dirty="0">
+              <a:rPr lang="en-US" sz="4682" b="1" dirty="0">
                 <a:solidFill>
                   <a:schemeClr val="tx2"/>
                 </a:solidFill>
@@ -2806,8 +2806,8 @@
         </p:nvSpPr>
         <p:spPr>
           <a:xfrm>
-            <a:off x="26060400" y="30083760"/>
-            <a:ext cx="2011680" cy="731520"/>
+            <a:off x="33629169" y="30116578"/>
+            <a:ext cx="3630965" cy="804610"/>
           </a:xfrm>
           <a:prstGeom prst="rect">
             <a:avLst/>
@@ -2828,7 +2828,7 @@
               </a:spcBef>
             </a:pPr>
             <a:r>
-              <a:rPr sz="2619" b="1" spc="60" dirty="0">
+              <a:rPr sz="4682" b="1" spc="60" dirty="0">
                 <a:solidFill>
                   <a:srgbClr val="00346B"/>
                 </a:solidFill>
@@ -2852,8 +2852,8 @@
         </p:nvSpPr>
         <p:spPr>
           <a:xfrm>
-            <a:off x="21945600" y="30815280"/>
-            <a:ext cx="10881360" cy="91440"/>
+            <a:off x="26403054" y="30865061"/>
+            <a:ext cx="19462108" cy="133789"/>
           </a:xfrm>
           <a:custGeom>
             <a:avLst/>
@@ -2894,8 +2894,8 @@
         </p:nvSpPr>
         <p:spPr>
           <a:xfrm>
-            <a:off x="22494240" y="30358080"/>
-            <a:ext cx="9601200" cy="4297680"/>
+            <a:off x="27313070" y="30446160"/>
+            <a:ext cx="17218230" cy="4358803"/>
           </a:xfrm>
           <a:prstGeom prst="rect">
             <a:avLst/>
@@ -2911,11 +2911,11 @@
           </a:p>
           <a:p>
             <a:r>
-              <a:rPr lang="en-US" sz="1964" b="1" dirty="0"/>
+              <a:rPr lang="en-US" sz="3511" b="1" dirty="0"/>
               <a:t>AI Detects Invisible Patterns</a:t>
             </a:r>
             <a:r>
-              <a:rPr lang="en-US" sz="1964" dirty="0"/>
+              <a:rPr lang="en-US" sz="3511" dirty="0"/>
               <a:t>: Vision Transformers successfully identify autism-related neural signatures with 82% accuracy, detecting subtle 1-3% connectivity changes invisible to traditional analysis.</a:t>
             </a:r>
           </a:p>
@@ -2924,11 +2924,11 @@
           </a:p>
           <a:p>
             <a:r>
-              <a:rPr lang="en-US" sz="1964" b="1" dirty="0"/>
+              <a:rPr lang="en-US" sz="3511" b="1" dirty="0"/>
               <a:t>Convergent Neural Phenotypes</a:t>
             </a:r>
             <a:r>
-              <a:rPr lang="en-US" sz="1964" dirty="0"/>
+              <a:rPr lang="en-US" sz="3511" dirty="0"/>
               <a:t>: Different autism genes converge on detectable brain activity patterns, supporting the hypothesis of shared neural mechanisms despite distinct genetic causes.</a:t>
             </a:r>
           </a:p>
@@ -2942,8 +2942,8 @@
         </p:nvSpPr>
         <p:spPr>
           <a:xfrm>
-            <a:off x="25968960" y="34290000"/>
-            <a:ext cx="3108960" cy="731520"/>
+            <a:off x="33462924" y="34323830"/>
+            <a:ext cx="5709601" cy="769309"/>
           </a:xfrm>
           <a:prstGeom prst="rect">
             <a:avLst/>
@@ -2964,7 +2964,7 @@
               </a:spcBef>
             </a:pPr>
             <a:r>
-              <a:rPr sz="2619" b="1" spc="-10" dirty="0">
+              <a:rPr sz="4682" b="1" spc="-10" dirty="0">
                 <a:solidFill>
                   <a:srgbClr val="00346B"/>
                 </a:solidFill>
@@ -2974,7 +2974,7 @@
               <a:t>Future</a:t>
             </a:r>
             <a:r>
-              <a:rPr sz="2619" b="1" spc="-105" dirty="0">
+              <a:rPr sz="4682" b="1" spc="-105" dirty="0">
                 <a:solidFill>
                   <a:srgbClr val="00346B"/>
                 </a:solidFill>
@@ -2984,7 +2984,7 @@
               <a:t> </a:t>
             </a:r>
             <a:r>
-              <a:rPr lang="en-US" sz="2619" b="1" spc="-20" dirty="0">
+              <a:rPr lang="en-US" sz="4682" b="1" spc="-20" dirty="0">
                 <a:solidFill>
                   <a:srgbClr val="00346B"/>
                 </a:solidFill>
@@ -3008,8 +3008,8 @@
         </p:nvSpPr>
         <p:spPr>
           <a:xfrm flipV="1">
-            <a:off x="21945600" y="35112960"/>
-            <a:ext cx="10881360" cy="91440"/>
+            <a:off x="26313493" y="35166192"/>
+            <a:ext cx="19551665" cy="133789"/>
           </a:xfrm>
           <a:custGeom>
             <a:avLst/>
@@ -3050,8 +3050,8 @@
         </p:nvSpPr>
         <p:spPr>
           <a:xfrm>
-            <a:off x="26426160" y="38130480"/>
-            <a:ext cx="1828800" cy="731520"/>
+            <a:off x="34277680" y="38139336"/>
+            <a:ext cx="3357806" cy="804610"/>
           </a:xfrm>
           <a:prstGeom prst="rect">
             <a:avLst/>
@@ -3072,7 +3072,7 @@
               </a:spcBef>
             </a:pPr>
             <a:r>
-              <a:rPr sz="2619" b="1" spc="-10" dirty="0">
+              <a:rPr sz="4682" b="1" spc="-10" dirty="0">
                 <a:solidFill>
                   <a:srgbClr val="00346B"/>
                 </a:solidFill>
@@ -3096,8 +3096,8 @@
         </p:nvSpPr>
         <p:spPr>
           <a:xfrm flipV="1">
-            <a:off x="21945600" y="38862000"/>
-            <a:ext cx="10881360" cy="91440"/>
+            <a:off x="26313493" y="38882147"/>
+            <a:ext cx="19551665" cy="133789"/>
           </a:xfrm>
           <a:custGeom>
             <a:avLst/>
@@ -3138,8 +3138,8 @@
         </p:nvSpPr>
         <p:spPr>
           <a:xfrm>
-            <a:off x="22311360" y="39227760"/>
-            <a:ext cx="10607040" cy="3291840"/>
+            <a:off x="26985561" y="39313550"/>
+            <a:ext cx="19021352" cy="3359638"/>
           </a:xfrm>
           <a:prstGeom prst="rect">
             <a:avLst/>
@@ -3163,21 +3163,21 @@
               </a:tabLst>
             </a:pPr>
             <a:r>
-              <a:rPr lang="en-US" sz="1391" spc="-20" dirty="0">
+              <a:rPr lang="en-US" sz="2487" spc="-20" dirty="0">
                 <a:latin typeface="Tahoma"/>
                 <a:cs typeface="Tahoma"/>
               </a:rPr>
               <a:t>1.	Vaswani A, </a:t>
             </a:r>
             <a:r>
-              <a:rPr lang="en-US" sz="1391" spc="-20" dirty="0" err="1">
+              <a:rPr lang="en-US" sz="2487" spc="-20" dirty="0" err="1">
                 <a:latin typeface="Tahoma"/>
                 <a:cs typeface="Tahoma"/>
               </a:rPr>
               <a:t>Shazeer</a:t>
             </a:r>
             <a:r>
-              <a:rPr lang="en-US" sz="1391" spc="-20" dirty="0">
+              <a:rPr lang="en-US" sz="2487" spc="-20" dirty="0">
                 <a:latin typeface="Tahoma"/>
                 <a:cs typeface="Tahoma"/>
               </a:rPr>
@@ -3197,21 +3197,21 @@
               </a:tabLst>
             </a:pPr>
             <a:r>
-              <a:rPr lang="en-US" sz="1391" spc="-20" dirty="0">
+              <a:rPr lang="en-US" sz="2487" spc="-20" dirty="0">
                 <a:latin typeface="Tahoma"/>
                 <a:cs typeface="Tahoma"/>
               </a:rPr>
               <a:t>2.	Ortega Caro J, Badea A, Marks S, et al. (2024). </a:t>
             </a:r>
             <a:r>
-              <a:rPr lang="en-US" sz="1391" spc="-20" dirty="0" err="1">
+              <a:rPr lang="en-US" sz="2487" spc="-20" dirty="0" err="1">
                 <a:latin typeface="Tahoma"/>
                 <a:cs typeface="Tahoma"/>
               </a:rPr>
               <a:t>BrainLM</a:t>
             </a:r>
             <a:r>
-              <a:rPr lang="en-US" sz="1391" spc="-20" dirty="0">
+              <a:rPr lang="en-US" sz="2487" spc="-20" dirty="0">
                 <a:latin typeface="Tahoma"/>
                 <a:cs typeface="Tahoma"/>
               </a:rPr>
@@ -3231,21 +3231,21 @@
               </a:tabLst>
             </a:pPr>
             <a:r>
-              <a:rPr lang="en-US" sz="1391" spc="-20" dirty="0">
+              <a:rPr lang="en-US" sz="2487" spc="-20" dirty="0">
                 <a:latin typeface="Tahoma"/>
                 <a:cs typeface="Tahoma"/>
               </a:rPr>
               <a:t>3.	</a:t>
             </a:r>
             <a:r>
-              <a:rPr lang="en-US" sz="1391" spc="-20" dirty="0" err="1">
+              <a:rPr lang="en-US" sz="2487" spc="-20" dirty="0" err="1">
                 <a:latin typeface="Tahoma"/>
                 <a:cs typeface="Tahoma"/>
               </a:rPr>
               <a:t>Dosovitskiy</a:t>
             </a:r>
             <a:r>
-              <a:rPr lang="en-US" sz="1391" spc="-20" dirty="0">
+              <a:rPr lang="en-US" sz="2487" spc="-20" dirty="0">
                 <a:latin typeface="Tahoma"/>
                 <a:cs typeface="Tahoma"/>
               </a:rPr>
@@ -3265,7 +3265,7 @@
               </a:tabLst>
             </a:pPr>
             <a:r>
-              <a:rPr lang="en-US" sz="1391" spc="-20" dirty="0">
+              <a:rPr lang="en-US" sz="2487" spc="-20" dirty="0">
                 <a:latin typeface="Tahoma"/>
                 <a:cs typeface="Tahoma"/>
               </a:rPr>
@@ -3286,8 +3286,8 @@
         </p:nvSpPr>
         <p:spPr>
           <a:xfrm>
-            <a:off x="0" y="42702480"/>
-            <a:ext cx="32826960" cy="1188720"/>
+            <a:off x="-12966143" y="42717757"/>
+            <a:ext cx="58831303" cy="1274737"/>
           </a:xfrm>
           <a:custGeom>
             <a:avLst/>
@@ -3336,8 +3336,8 @@
         </p:nvSpPr>
         <p:spPr>
           <a:xfrm>
-            <a:off x="14264640" y="42793920"/>
-            <a:ext cx="1920240" cy="640080"/>
+            <a:off x="12699347" y="42830781"/>
+            <a:ext cx="3491598" cy="681967"/>
           </a:xfrm>
           <a:prstGeom prst="rect">
             <a:avLst/>
@@ -3358,7 +3358,7 @@
               </a:spcBef>
             </a:pPr>
             <a:r>
-              <a:rPr sz="2210" dirty="0">
+              <a:rPr sz="3950" dirty="0">
                 <a:solidFill>
                   <a:srgbClr val="FFFFFF"/>
                 </a:solidFill>
@@ -3368,7 +3368,7 @@
               <a:t>Poster</a:t>
             </a:r>
             <a:r>
-              <a:rPr sz="2210" spc="80" dirty="0">
+              <a:rPr sz="3950" spc="80" dirty="0">
                 <a:solidFill>
                   <a:srgbClr val="FFFFFF"/>
                 </a:solidFill>
@@ -3378,7 +3378,7 @@
               <a:t> </a:t>
             </a:r>
             <a:r>
-              <a:rPr sz="2210" spc="55" dirty="0">
+              <a:rPr sz="3950" spc="55" dirty="0">
                 <a:solidFill>
                   <a:srgbClr val="FFFFFF"/>
                 </a:solidFill>
@@ -3402,8 +3402,8 @@
         </p:nvSpPr>
         <p:spPr>
           <a:xfrm>
-            <a:off x="29260800" y="43068240"/>
-            <a:ext cx="3840480" cy="640080"/>
+            <a:off x="39426822" y="43138722"/>
+            <a:ext cx="6964009" cy="649224"/>
           </a:xfrm>
           <a:prstGeom prst="rect">
             <a:avLst/>
@@ -3424,7 +3424,7 @@
               </a:spcBef>
             </a:pPr>
             <a:r>
-              <a:rPr lang="en-US" sz="2210" spc="-10" dirty="0">
+              <a:rPr lang="en-US" sz="3950" spc="-10" dirty="0">
                 <a:solidFill>
                   <a:srgbClr val="FFFFFF"/>
                 </a:solidFill>
@@ -3461,8 +3461,8 @@
           </p:nvPr>
         </p:nvGraphicFramePr>
         <p:xfrm>
-          <a:off x="0" y="1005840"/>
-          <a:ext cx="5852160" cy="3749040"/>
+          <a:off x="-12956451" y="1078233"/>
+          <a:ext cx="10461048" cy="3764628"/>
         </p:xfrm>
         <a:graphic>
           <a:graphicData uri="http://schemas.openxmlformats.org/presentationml/2006/ole">
@@ -3527,8 +3527,8 @@
         </p:nvSpPr>
         <p:spPr>
           <a:xfrm>
-            <a:off x="6583680" y="822960"/>
-            <a:ext cx="22860000" cy="1463040"/>
+            <a:off x="-1156743" y="863391"/>
+            <a:ext cx="40964562" cy="1508601"/>
           </a:xfrm>
         </p:spPr>
         <p:txBody>
@@ -3571,8 +3571,8 @@
         </p:blipFill>
         <p:spPr>
           <a:xfrm>
-            <a:off x="0" y="15910560"/>
-            <a:ext cx="11155680" cy="6126480"/>
+            <a:off x="-12883852" y="15938717"/>
+            <a:ext cx="19977614" cy="6141952"/>
           </a:xfrm>
           <a:prstGeom prst="rect">
             <a:avLst/>
@@ -3593,8 +3593,8 @@
         </p:nvSpPr>
         <p:spPr>
           <a:xfrm>
-            <a:off x="457200" y="22219920"/>
-            <a:ext cx="10881360" cy="1188720"/>
+            <a:off x="-12098822" y="22223525"/>
+            <a:ext cx="19551616" cy="1260919"/>
           </a:xfrm>
           <a:prstGeom prst="rect">
             <a:avLst/>
@@ -3616,7 +3616,7 @@
               </a:spcBef>
             </a:pPr>
             <a:r>
-              <a:rPr lang="en-US" sz="1801" dirty="0">
+              <a:rPr lang="en-US" sz="3218" dirty="0">
                 <a:solidFill>
                   <a:srgbClr val="00346B"/>
                 </a:solidFill>
@@ -3626,7 +3626,7 @@
               <a:t>Figure</a:t>
             </a:r>
             <a:r>
-              <a:rPr lang="en-US" sz="1801" spc="20" dirty="0">
+              <a:rPr lang="en-US" sz="3218" spc="20" dirty="0">
                 <a:solidFill>
                   <a:srgbClr val="00346B"/>
                 </a:solidFill>
@@ -3636,7 +3636,7 @@
               <a:t> 1</a:t>
             </a:r>
             <a:r>
-              <a:rPr lang="en-US" sz="1801" dirty="0">
+              <a:rPr lang="en-US" sz="3218" dirty="0">
                 <a:solidFill>
                   <a:srgbClr val="00346B"/>
                 </a:solidFill>
@@ -3646,7 +3646,7 @@
               <a:t>.</a:t>
             </a:r>
             <a:r>
-              <a:rPr lang="en-US" sz="1801" spc="20" dirty="0">
+              <a:rPr lang="en-US" sz="3218" spc="20" dirty="0">
                 <a:solidFill>
                   <a:srgbClr val="00346B"/>
                 </a:solidFill>
@@ -3656,7 +3656,7 @@
               <a:t> </a:t>
             </a:r>
             <a:r>
-              <a:rPr lang="en-US" sz="1801" dirty="0"/>
+              <a:rPr lang="en-US" sz="3218" dirty="0"/>
               <a:t>Different autism genes affecting distinct cellular processes may lead to convergent neural phenotypes and shared behavioral outcomes including social deficits and repetitive behaviors.</a:t>
             </a:r>
             <a:endParaRPr lang="en-US" sz="1100" dirty="0">
@@ -3680,8 +3680,8 @@
         </p:nvSpPr>
         <p:spPr>
           <a:xfrm>
-            <a:off x="365760" y="30998160"/>
-            <a:ext cx="10058400" cy="1737360"/>
+            <a:off x="-12194580" y="31050377"/>
+            <a:ext cx="18061916" cy="1756280"/>
           </a:xfrm>
           <a:prstGeom prst="rect">
             <a:avLst/>
@@ -3703,7 +3703,7 @@
               </a:spcBef>
             </a:pPr>
             <a:r>
-              <a:rPr lang="en-US" sz="1801" dirty="0">
+              <a:rPr lang="en-US" sz="3218" dirty="0">
                 <a:solidFill>
                   <a:srgbClr val="00346B"/>
                 </a:solidFill>
@@ -3713,7 +3713,7 @@
               <a:t>Figure</a:t>
             </a:r>
             <a:r>
-              <a:rPr lang="en-US" sz="1801" spc="20" dirty="0">
+              <a:rPr lang="en-US" sz="3218" spc="20" dirty="0">
                 <a:solidFill>
                   <a:srgbClr val="00346B"/>
                 </a:solidFill>
@@ -3723,7 +3723,7 @@
               <a:t> 2</a:t>
             </a:r>
             <a:r>
-              <a:rPr lang="en-US" sz="1801" dirty="0">
+              <a:rPr lang="en-US" sz="3218" dirty="0">
                 <a:solidFill>
                   <a:srgbClr val="00346B"/>
                 </a:solidFill>
@@ -3733,7 +3733,7 @@
               <a:t>.</a:t>
             </a:r>
             <a:r>
-              <a:rPr lang="en-US" sz="1801" spc="20" dirty="0">
+              <a:rPr lang="en-US" sz="3218" spc="20" dirty="0">
                 <a:solidFill>
                   <a:srgbClr val="00346B"/>
                 </a:solidFill>
@@ -3743,7 +3743,7 @@
               <a:t> </a:t>
             </a:r>
             <a:r>
-              <a:rPr lang="en-US" sz="1801" dirty="0"/>
+              <a:rPr lang="en-US" sz="3218" dirty="0"/>
               <a:t>Three-chamber social preference test shows reduced social interaction in MeCP2 knockdown mice, with sex-specific effects. Females exhibit stronger behavioral deficits despite mosaic expression.</a:t>
             </a:r>
             <a:endParaRPr lang="en-US" sz="1100" dirty="0">
@@ -3775,8 +3775,8 @@
         </p:blipFill>
         <p:spPr>
           <a:xfrm>
-            <a:off x="91440" y="25786080"/>
-            <a:ext cx="5120640" cy="3749040"/>
+            <a:off x="-12739475" y="25796991"/>
+            <a:ext cx="9161733" cy="3839844"/>
           </a:xfrm>
           <a:prstGeom prst="rect">
             <a:avLst/>
@@ -3812,8 +3812,8 @@
         </p:blipFill>
         <p:spPr>
           <a:xfrm>
-            <a:off x="5669280" y="23682960"/>
-            <a:ext cx="5120640" cy="7132320"/>
+            <a:off x="-2775125" y="23756160"/>
+            <a:ext cx="9235119" cy="7183478"/>
           </a:xfrm>
           <a:prstGeom prst="rect">
             <a:avLst/>
@@ -3834,8 +3834,8 @@
         </p:nvSpPr>
         <p:spPr>
           <a:xfrm>
-            <a:off x="5394960" y="23865840"/>
-            <a:ext cx="457200" cy="640080"/>
+            <a:off x="-3163622" y="23955145"/>
+            <a:ext cx="891946" cy="662232"/>
           </a:xfrm>
           <a:prstGeom prst="rect">
             <a:avLst/>
@@ -3888,8 +3888,8 @@
         </p:nvSpPr>
         <p:spPr>
           <a:xfrm>
-            <a:off x="0" y="33375600"/>
-            <a:ext cx="10972800" cy="91440"/>
+            <a:off x="-12883852" y="33438406"/>
+            <a:ext cx="19618582" cy="151944"/>
           </a:xfrm>
           <a:custGeom>
             <a:avLst/>
@@ -3936,8 +3936,8 @@
         </p:nvSpPr>
         <p:spPr>
           <a:xfrm>
-            <a:off x="4206240" y="32461200"/>
-            <a:ext cx="17190720" cy="914400"/>
+            <a:off x="-5426808" y="32477366"/>
+            <a:ext cx="30748263" cy="990721"/>
           </a:xfrm>
           <a:prstGeom prst="rect">
             <a:avLst/>
@@ -3951,7 +3951,7 @@
           <a:lstStyle/>
           <a:p>
             <a:r>
-              <a:rPr lang="en-US" sz="2619" b="1" spc="60" dirty="0">
+              <a:rPr lang="en-US" sz="4682" b="1" spc="60" dirty="0">
                 <a:solidFill>
                   <a:srgbClr val="00346B"/>
                 </a:solidFill>
@@ -3978,8 +3978,8 @@
         </p:nvSpPr>
         <p:spPr>
           <a:xfrm>
-            <a:off x="0" y="34015680"/>
-            <a:ext cx="11338560" cy="6492240"/>
+            <a:off x="-12820406" y="34023936"/>
+            <a:ext cx="20273200" cy="6574795"/>
           </a:xfrm>
           <a:prstGeom prst="rect">
             <a:avLst/>
@@ -3993,7 +3993,7 @@
           <a:lstStyle/>
           <a:p>
             <a:r>
-              <a:rPr lang="en-US" sz="2292" b="1" dirty="0">
+              <a:rPr lang="en-US" sz="4096" b="1" dirty="0">
                 <a:latin typeface="Tahoma" panose="020B0604030504040204" pitchFamily="34" charset="0"/>
                 <a:ea typeface="Tahoma" panose="020B0604030504040204" pitchFamily="34" charset="0"/>
                 <a:cs typeface="Tahoma" panose="020B0604030504040204" pitchFamily="34" charset="0"/>
@@ -4003,7 +4003,7 @@
           </a:p>
           <a:p>
             <a:r>
-              <a:rPr lang="en-US" sz="2292" dirty="0">
+              <a:rPr lang="en-US" sz="4096" dirty="0">
                 <a:latin typeface="Tahoma" panose="020B0604030504040204" pitchFamily="34" charset="0"/>
                 <a:ea typeface="Tahoma" panose="020B0604030504040204" pitchFamily="34" charset="0"/>
                 <a:cs typeface="Tahoma" panose="020B0604030504040204" pitchFamily="34" charset="0"/>
@@ -4013,7 +4013,7 @@
           </a:p>
           <a:p>
             <a:r>
-              <a:rPr lang="en-US" sz="2292" b="1" dirty="0">
+              <a:rPr lang="en-US" sz="4096" b="1" dirty="0">
                 <a:latin typeface="Tahoma" panose="020B0604030504040204" pitchFamily="34" charset="0"/>
                 <a:ea typeface="Tahoma" panose="020B0604030504040204" pitchFamily="34" charset="0"/>
                 <a:cs typeface="Tahoma" panose="020B0604030504040204" pitchFamily="34" charset="0"/>
@@ -4021,7 +4021,7 @@
               <a:t>Subjects</a:t>
             </a:r>
             <a:r>
-              <a:rPr lang="en-US" sz="2292" dirty="0">
+              <a:rPr lang="en-US" sz="4096" dirty="0">
                 <a:latin typeface="Tahoma" panose="020B0604030504040204" pitchFamily="34" charset="0"/>
                 <a:ea typeface="Tahoma" panose="020B0604030504040204" pitchFamily="34" charset="0"/>
                 <a:cs typeface="Tahoma" panose="020B0604030504040204" pitchFamily="34" charset="0"/>
@@ -4031,7 +4031,7 @@
           </a:p>
           <a:p>
             <a:r>
-              <a:rPr lang="en-US" sz="2292" b="1" dirty="0">
+              <a:rPr lang="en-US" sz="4096" b="1" dirty="0">
                 <a:latin typeface="Tahoma" panose="020B0604030504040204" pitchFamily="34" charset="0"/>
                 <a:ea typeface="Tahoma" panose="020B0604030504040204" pitchFamily="34" charset="0"/>
                 <a:cs typeface="Tahoma" panose="020B0604030504040204" pitchFamily="34" charset="0"/>
@@ -4039,7 +4039,7 @@
               <a:t>Age</a:t>
             </a:r>
             <a:r>
-              <a:rPr lang="en-US" sz="2292" dirty="0">
+              <a:rPr lang="en-US" sz="4096" dirty="0">
                 <a:latin typeface="Tahoma" panose="020B0604030504040204" pitchFamily="34" charset="0"/>
                 <a:ea typeface="Tahoma" panose="020B0604030504040204" pitchFamily="34" charset="0"/>
                 <a:cs typeface="Tahoma" panose="020B0604030504040204" pitchFamily="34" charset="0"/>
@@ -4049,7 +4049,7 @@
           </a:p>
           <a:p>
             <a:r>
-              <a:rPr lang="en-US" sz="2292" b="1" dirty="0">
+              <a:rPr lang="en-US" sz="4096" b="1" dirty="0">
                 <a:latin typeface="Tahoma" panose="020B0604030504040204" pitchFamily="34" charset="0"/>
                 <a:ea typeface="Tahoma" panose="020B0604030504040204" pitchFamily="34" charset="0"/>
                 <a:cs typeface="Tahoma" panose="020B0604030504040204" pitchFamily="34" charset="0"/>
@@ -4057,7 +4057,7 @@
               <a:t>Recording</a:t>
             </a:r>
             <a:r>
-              <a:rPr lang="en-US" sz="2292" dirty="0">
+              <a:rPr lang="en-US" sz="4096" dirty="0">
                 <a:latin typeface="Tahoma" panose="020B0604030504040204" pitchFamily="34" charset="0"/>
                 <a:ea typeface="Tahoma" panose="020B0604030504040204" pitchFamily="34" charset="0"/>
                 <a:cs typeface="Tahoma" panose="020B0604030504040204" pitchFamily="34" charset="0"/>
@@ -4067,7 +4067,7 @@
           </a:p>
           <a:p>
             <a:r>
-              <a:rPr lang="en-US" sz="2292" b="1" dirty="0">
+              <a:rPr lang="en-US" sz="4096" b="1" dirty="0">
                 <a:latin typeface="Tahoma" panose="020B0604030504040204" pitchFamily="34" charset="0"/>
                 <a:ea typeface="Tahoma" panose="020B0604030504040204" pitchFamily="34" charset="0"/>
                 <a:cs typeface="Tahoma" panose="020B0604030504040204" pitchFamily="34" charset="0"/>
@@ -4077,7 +4077,7 @@
           </a:p>
           <a:p>
             <a:r>
-              <a:rPr lang="en-US" sz="2292" dirty="0">
+              <a:rPr lang="en-US" sz="4096" dirty="0">
                 <a:latin typeface="Tahoma" panose="020B0604030504040204" pitchFamily="34" charset="0"/>
                 <a:ea typeface="Tahoma" panose="020B0604030504040204" pitchFamily="34" charset="0"/>
                 <a:cs typeface="Tahoma" panose="020B0604030504040204" pitchFamily="34" charset="0"/>
@@ -4087,7 +4087,7 @@
           </a:p>
           <a:p>
             <a:r>
-              <a:rPr lang="en-US" sz="2292" b="1" dirty="0">
+              <a:rPr lang="en-US" sz="4096" b="1" dirty="0">
                 <a:latin typeface="Tahoma" panose="020B0604030504040204" pitchFamily="34" charset="0"/>
                 <a:ea typeface="Tahoma" panose="020B0604030504040204" pitchFamily="34" charset="0"/>
                 <a:cs typeface="Tahoma" panose="020B0604030504040204" pitchFamily="34" charset="0"/>
@@ -4095,7 +4095,7 @@
               <a:t>Coverage</a:t>
             </a:r>
             <a:r>
-              <a:rPr lang="en-US" sz="2292" dirty="0">
+              <a:rPr lang="en-US" sz="4096" dirty="0">
                 <a:latin typeface="Tahoma" panose="020B0604030504040204" pitchFamily="34" charset="0"/>
                 <a:ea typeface="Tahoma" panose="020B0604030504040204" pitchFamily="34" charset="0"/>
                 <a:cs typeface="Tahoma" panose="020B0604030504040204" pitchFamily="34" charset="0"/>
@@ -4105,7 +4105,7 @@
           </a:p>
           <a:p>
             <a:r>
-              <a:rPr lang="en-US" sz="2292" b="1" dirty="0">
+              <a:rPr lang="en-US" sz="4096" b="1" dirty="0">
                 <a:latin typeface="Tahoma" panose="020B0604030504040204" pitchFamily="34" charset="0"/>
                 <a:ea typeface="Tahoma" panose="020B0604030504040204" pitchFamily="34" charset="0"/>
                 <a:cs typeface="Tahoma" panose="020B0604030504040204" pitchFamily="34" charset="0"/>
@@ -4113,7 +4113,7 @@
               <a:t>Sampling</a:t>
             </a:r>
             <a:r>
-              <a:rPr lang="en-US" sz="2292" dirty="0">
+              <a:rPr lang="en-US" sz="4096" dirty="0">
                 <a:latin typeface="Tahoma" panose="020B0604030504040204" pitchFamily="34" charset="0"/>
                 <a:ea typeface="Tahoma" panose="020B0604030504040204" pitchFamily="34" charset="0"/>
                 <a:cs typeface="Tahoma" panose="020B0604030504040204" pitchFamily="34" charset="0"/>
@@ -4123,7 +4123,7 @@
           </a:p>
           <a:p>
             <a:r>
-              <a:rPr lang="en-US" sz="2292" b="1" dirty="0">
+              <a:rPr lang="en-US" sz="4096" b="1" dirty="0">
                 <a:latin typeface="Tahoma" panose="020B0604030504040204" pitchFamily="34" charset="0"/>
                 <a:ea typeface="Tahoma" panose="020B0604030504040204" pitchFamily="34" charset="0"/>
                 <a:cs typeface="Tahoma" panose="020B0604030504040204" pitchFamily="34" charset="0"/>
@@ -4131,7 +4131,7 @@
               <a:t>Processing</a:t>
             </a:r>
             <a:r>
-              <a:rPr lang="en-US" sz="2292" dirty="0">
+              <a:rPr lang="en-US" sz="4096" dirty="0">
                 <a:latin typeface="Tahoma" panose="020B0604030504040204" pitchFamily="34" charset="0"/>
                 <a:ea typeface="Tahoma" panose="020B0604030504040204" pitchFamily="34" charset="0"/>
                 <a:cs typeface="Tahoma" panose="020B0604030504040204" pitchFamily="34" charset="0"/>
@@ -4139,7 +4139,7 @@
               <a:t>: </a:t>
             </a:r>
             <a:r>
-              <a:rPr lang="el-GR" sz="2292" dirty="0">
+              <a:rPr lang="el-GR" sz="4096" dirty="0">
                 <a:latin typeface="Tahoma" panose="020B0604030504040204" pitchFamily="34" charset="0"/>
                 <a:ea typeface="Tahoma" panose="020B0604030504040204" pitchFamily="34" charset="0"/>
                 <a:cs typeface="Tahoma" panose="020B0604030504040204" pitchFamily="34" charset="0"/>
@@ -4147,7 +4147,7 @@
               <a:t>Δ</a:t>
             </a:r>
             <a:r>
-              <a:rPr lang="en-US" sz="2292" dirty="0">
+              <a:rPr lang="en-US" sz="4096" dirty="0">
                 <a:latin typeface="Tahoma" panose="020B0604030504040204" pitchFamily="34" charset="0"/>
                 <a:ea typeface="Tahoma" panose="020B0604030504040204" pitchFamily="34" charset="0"/>
                 <a:cs typeface="Tahoma" panose="020B0604030504040204" pitchFamily="34" charset="0"/>
@@ -4173,8 +4173,8 @@
         </p:nvSpPr>
         <p:spPr>
           <a:xfrm>
-            <a:off x="12893040" y="20756880"/>
-            <a:ext cx="365760" cy="457200"/>
+            <a:off x="10229644" y="20779394"/>
+            <a:ext cx="752723" cy="516374"/>
           </a:xfrm>
           <a:prstGeom prst="rect">
             <a:avLst/>
@@ -4199,7 +4199,7 @@
               </a:spcAft>
             </a:pPr>
             <a:r>
-              <a:rPr lang="en-US" sz="1146" kern="1200">
+              <a:rPr lang="en-US" sz="2048" kern="1200">
                 <a:solidFill>
                   <a:srgbClr val="FFFFFF"/>
                 </a:solidFill>
@@ -4229,8 +4229,8 @@
         </p:nvSpPr>
         <p:spPr>
           <a:xfrm>
-            <a:off x="18288000" y="20756880"/>
-            <a:ext cx="274320" cy="457200"/>
+            <a:off x="19845986" y="20779394"/>
+            <a:ext cx="501816" cy="516374"/>
           </a:xfrm>
           <a:prstGeom prst="rect">
             <a:avLst/>
@@ -4295,8 +4295,8 @@
         </p:blipFill>
         <p:spPr>
           <a:xfrm>
-            <a:off x="17922240" y="10149840"/>
-            <a:ext cx="3931920" cy="5120640"/>
+            <a:off x="19121789" y="10232525"/>
+            <a:ext cx="7074906" cy="5159884"/>
           </a:xfrm>
           <a:prstGeom prst="rect">
             <a:avLst/>
@@ -4317,8 +4317,8 @@
         </p:nvGrpSpPr>
         <p:grpSpPr>
           <a:xfrm>
-            <a:off x="11064240" y="9784080"/>
-            <a:ext cx="1463040" cy="5303520"/>
+            <a:off x="6872908" y="9834233"/>
+            <a:ext cx="2617473" cy="5306317"/>
             <a:chOff x="1038624" y="1631125"/>
             <a:chExt cx="2339631" cy="3493737"/>
           </a:xfrm>
@@ -4455,8 +4455,8 @@
         </p:nvCxnSpPr>
         <p:spPr>
           <a:xfrm>
-            <a:off x="12710160" y="12618720"/>
-            <a:ext cx="822960" cy="0"/>
+            <a:off x="9863106" y="12666889"/>
+            <a:ext cx="1580700" cy="0"/>
           </a:xfrm>
           <a:prstGeom prst="straightConnector1">
             <a:avLst/>
@@ -4499,8 +4499,8 @@
         </p:nvCxnSpPr>
         <p:spPr>
           <a:xfrm>
-            <a:off x="17282160" y="12801600"/>
-            <a:ext cx="640080" cy="0"/>
+            <a:off x="17960927" y="12812465"/>
+            <a:ext cx="1160861" cy="0"/>
           </a:xfrm>
           <a:prstGeom prst="straightConnector1">
             <a:avLst/>
@@ -4555,8 +4555,8 @@
         </p:blipFill>
         <p:spPr>
           <a:xfrm>
-            <a:off x="11247120" y="25054560"/>
-            <a:ext cx="10241280" cy="8321040"/>
+            <a:off x="7262608" y="25069724"/>
+            <a:ext cx="18437572" cy="8398363"/>
           </a:xfrm>
           <a:prstGeom prst="rect">
             <a:avLst/>
@@ -4586,8 +4586,8 @@
         </p:blipFill>
         <p:spPr>
           <a:xfrm>
-            <a:off x="23317200" y="7498080"/>
-            <a:ext cx="8321040" cy="5943600"/>
+            <a:off x="28723464" y="7512615"/>
+            <a:ext cx="14903708" cy="6017633"/>
           </a:xfrm>
           <a:prstGeom prst="rect">
             <a:avLst/>
@@ -4609,8 +4609,8 @@
         </p:nvSpPr>
         <p:spPr>
           <a:xfrm>
-            <a:off x="22219920" y="19659600"/>
-            <a:ext cx="10698480" cy="1737360"/>
+            <a:off x="26908317" y="19735357"/>
+            <a:ext cx="19138725" cy="1756280"/>
           </a:xfrm>
           <a:prstGeom prst="rect">
             <a:avLst/>
@@ -4632,7 +4632,7 @@
               </a:spcBef>
             </a:pPr>
             <a:r>
-              <a:rPr lang="en-US" sz="1801" dirty="0">
+              <a:rPr lang="en-US" sz="3218" dirty="0">
                 <a:solidFill>
                   <a:srgbClr val="00346B"/>
                 </a:solidFill>
@@ -4642,7 +4642,7 @@
               <a:t>Figure</a:t>
             </a:r>
             <a:r>
-              <a:rPr lang="en-US" sz="1801" spc="35" dirty="0">
+              <a:rPr lang="en-US" sz="3218" spc="35" dirty="0">
                 <a:solidFill>
                   <a:srgbClr val="00346B"/>
                 </a:solidFill>
@@ -4652,7 +4652,7 @@
               <a:t> </a:t>
             </a:r>
             <a:r>
-              <a:rPr lang="en-US" sz="1801" spc="-10" dirty="0">
+              <a:rPr lang="en-US" sz="3218" spc="-10" dirty="0">
                 <a:solidFill>
                   <a:srgbClr val="00346B"/>
                 </a:solidFill>
@@ -4662,7 +4662,7 @@
               <a:t>6.</a:t>
             </a:r>
             <a:r>
-              <a:rPr lang="en-US" sz="1801" spc="-5" dirty="0">
+              <a:rPr lang="en-US" sz="3218" spc="-5" dirty="0">
                 <a:solidFill>
                   <a:srgbClr val="00346B"/>
                 </a:solidFill>
@@ -4672,7 +4672,7 @@
               <a:t> </a:t>
             </a:r>
             <a:r>
-              <a:rPr lang="en-US" sz="1801" dirty="0"/>
+              <a:rPr lang="en-US" sz="3218" dirty="0"/>
               <a:t>Correlation matrices showing changes in functional connectivity across cortical areas (knockdown minus control). Red indicates increased connectivity in knockdown; blue indicates decreased connectivity.</a:t>
             </a:r>
             <a:endParaRPr lang="en-US" sz="1100" dirty="0">
@@ -4696,8 +4696,8 @@
         </p:nvSpPr>
         <p:spPr>
           <a:xfrm>
-            <a:off x="18196560" y="15636240"/>
-            <a:ext cx="3840480" cy="548640"/>
+            <a:off x="19667916" y="15685724"/>
+            <a:ext cx="6910668" cy="582340"/>
           </a:xfrm>
           <a:prstGeom prst="rect">
             <a:avLst/>
@@ -4750,8 +4750,8 @@
         </p:nvSpPr>
         <p:spPr>
           <a:xfrm>
-            <a:off x="22219920" y="28803600"/>
-            <a:ext cx="10332720" cy="1737360"/>
+            <a:off x="26908317" y="28895027"/>
+            <a:ext cx="18501088" cy="1756280"/>
           </a:xfrm>
           <a:prstGeom prst="rect">
             <a:avLst/>
@@ -4773,7 +4773,7 @@
               </a:spcBef>
             </a:pPr>
             <a:r>
-              <a:rPr lang="en-US" sz="1801" dirty="0">
+              <a:rPr lang="en-US" sz="3218" dirty="0">
                 <a:solidFill>
                   <a:srgbClr val="00346B"/>
                 </a:solidFill>
@@ -4783,7 +4783,7 @@
               <a:t>Figure</a:t>
             </a:r>
             <a:r>
-              <a:rPr lang="en-US" sz="1801" spc="35" dirty="0">
+              <a:rPr lang="en-US" sz="3218" spc="35" dirty="0">
                 <a:solidFill>
                   <a:srgbClr val="00346B"/>
                 </a:solidFill>
@@ -4793,7 +4793,7 @@
               <a:t> </a:t>
             </a:r>
             <a:r>
-              <a:rPr lang="en-US" sz="1801" spc="-10" dirty="0">
+              <a:rPr lang="en-US" sz="3218" spc="-10" dirty="0">
                 <a:solidFill>
                   <a:srgbClr val="00346B"/>
                 </a:solidFill>
@@ -4803,7 +4803,7 @@
               <a:t>7.</a:t>
             </a:r>
             <a:r>
-              <a:rPr lang="en-US" sz="1801" spc="-5" dirty="0">
+              <a:rPr lang="en-US" sz="3218" spc="-5" dirty="0">
                 <a:solidFill>
                   <a:srgbClr val="00346B"/>
                 </a:solidFill>
@@ -4813,23 +4813,23 @@
               <a:t> </a:t>
             </a:r>
             <a:r>
-              <a:rPr lang="en-US" sz="1801" dirty="0"/>
+              <a:rPr lang="en-US" sz="3218" dirty="0"/>
               <a:t>(</a:t>
             </a:r>
             <a:r>
-              <a:rPr lang="en-US" sz="1801" i="1" dirty="0"/>
+              <a:rPr lang="en-US" sz="3218" i="1" dirty="0"/>
               <a:t>left) </a:t>
             </a:r>
             <a:r>
-              <a:rPr lang="en-US" sz="1801" dirty="0"/>
+              <a:rPr lang="en-US" sz="3218" dirty="0"/>
               <a:t>Cross-gene validation matrix showing how models trained on one gene can detect autism in other genes, supporting convergent pathways. (</a:t>
             </a:r>
             <a:r>
-              <a:rPr lang="en-US" sz="1801" i="1" dirty="0"/>
+              <a:rPr lang="en-US" sz="3218" i="1" dirty="0"/>
               <a:t>right) </a:t>
             </a:r>
             <a:r>
-              <a:rPr lang="en-US" sz="1801" dirty="0"/>
+              <a:rPr lang="en-US" sz="3218" dirty="0"/>
               <a:t>Performance distribution in same gene vs cross gene.</a:t>
             </a:r>
             <a:endParaRPr lang="en-US" sz="1100" dirty="0">
@@ -4853,8 +4853,8 @@
         </p:nvSpPr>
         <p:spPr>
           <a:xfrm>
-            <a:off x="22311360" y="35204400"/>
-            <a:ext cx="10698480" cy="3474720"/>
+            <a:off x="26975966" y="35251676"/>
+            <a:ext cx="19138725" cy="3512563"/>
           </a:xfrm>
           <a:prstGeom prst="rect">
             <a:avLst/>
@@ -4868,31 +4868,31 @@
           <a:lstStyle/>
           <a:p>
             <a:r>
-              <a:rPr lang="en-US" sz="1964" b="1" dirty="0"/>
+              <a:rPr lang="en-US" sz="3511" b="1" dirty="0"/>
               <a:t>Technical Optimization</a:t>
             </a:r>
             <a:r>
-              <a:rPr lang="en-US" sz="1964" dirty="0"/>
+              <a:rPr lang="en-US" sz="3511" dirty="0"/>
               <a:t>: Reduce train-validation gap through architectural improvements and regularization strategies</a:t>
             </a:r>
           </a:p>
           <a:p>
             <a:r>
-              <a:rPr lang="en-US" sz="1964" b="1" dirty="0"/>
+              <a:rPr lang="en-US" sz="3511" b="1" dirty="0"/>
               <a:t>Analyze brain state-dependent effects: </a:t>
             </a:r>
             <a:r>
-              <a:rPr lang="en-US" sz="1964" dirty="0"/>
+              <a:rPr lang="en-US" sz="3511" dirty="0"/>
               <a:t>Analyze Quiescence and Arousal data in respect to locomotion of wheel to find new answers in correlation to the convergent neural phenotypes.</a:t>
             </a:r>
           </a:p>
           <a:p>
             <a:r>
-              <a:rPr lang="en-US" sz="1964" b="1" dirty="0"/>
+              <a:rPr lang="en-US" sz="3511" b="1" dirty="0"/>
               <a:t>Clinical Relevance: </a:t>
             </a:r>
             <a:r>
-              <a:rPr lang="en-US" sz="1964" dirty="0"/>
+              <a:rPr lang="en-US" sz="3511" dirty="0"/>
               <a:t>Demonstrates feasibility of objective biomarkers for early autism screening.</a:t>
             </a:r>
             <a:endParaRPr lang="en-US" sz="1200" b="1" dirty="0"/>
@@ -4913,8 +4913,8 @@
         </p:nvSpPr>
         <p:spPr>
           <a:xfrm>
-            <a:off x="17922240" y="31181040"/>
-            <a:ext cx="1097280" cy="2011680"/>
+            <a:off x="19135039" y="31245915"/>
+            <a:ext cx="2006879" cy="2058064"/>
           </a:xfrm>
           <a:prstGeom prst="rect">
             <a:avLst/>
@@ -4965,8 +4965,8 @@
         </p:nvSpPr>
         <p:spPr>
           <a:xfrm>
-            <a:off x="17647920" y="31638240"/>
-            <a:ext cx="1554480" cy="1005840"/>
+            <a:off x="18689066" y="31729609"/>
+            <a:ext cx="2898826" cy="1080788"/>
           </a:xfrm>
           <a:prstGeom prst="rect">
             <a:avLst/>
@@ -4981,7 +4981,7 @@
           <a:p>
             <a:pPr algn="ctr"/>
             <a:r>
-              <a:rPr lang="en-US" sz="1473" dirty="0"/>
+              <a:rPr lang="en-US" sz="2633" dirty="0"/>
               <a:t>Binary Classification</a:t>
             </a:r>
           </a:p>
@@ -4995,8 +4995,8 @@
         </p:nvSpPr>
         <p:spPr>
           <a:xfrm>
-            <a:off x="22494240" y="13441680"/>
-            <a:ext cx="9875520" cy="1005840"/>
+            <a:off x="27313070" y="13479643"/>
+            <a:ext cx="17799907" cy="1041385"/>
           </a:xfrm>
           <a:prstGeom prst="rect">
             <a:avLst/>
@@ -5017,7 +5017,7 @@
               </a:spcBef>
             </a:pPr>
             <a:r>
-              <a:rPr sz="1801" dirty="0">
+              <a:rPr sz="3218" dirty="0">
                 <a:solidFill>
                   <a:srgbClr val="00346B"/>
                 </a:solidFill>
@@ -5027,7 +5027,7 @@
               <a:t>Figure</a:t>
             </a:r>
             <a:r>
-              <a:rPr sz="1801" spc="35" dirty="0">
+              <a:rPr sz="3218" spc="35" dirty="0">
                 <a:solidFill>
                   <a:srgbClr val="00346B"/>
                 </a:solidFill>
@@ -5037,7 +5037,7 @@
               <a:t> </a:t>
             </a:r>
             <a:r>
-              <a:rPr sz="1801" spc="-10" dirty="0">
+              <a:rPr sz="3218" spc="-10" dirty="0">
                 <a:solidFill>
                   <a:srgbClr val="00346B"/>
                 </a:solidFill>
@@ -5047,7 +5047,7 @@
               <a:t>5.</a:t>
             </a:r>
             <a:r>
-              <a:rPr sz="1801" spc="-5" dirty="0">
+              <a:rPr sz="3218" spc="-5" dirty="0">
                 <a:solidFill>
                   <a:srgbClr val="00346B"/>
                 </a:solidFill>
@@ -5057,22 +5057,22 @@
               <a:t> </a:t>
             </a:r>
             <a:r>
-              <a:rPr lang="en-US" sz="1801" dirty="0">
+              <a:rPr lang="en-US" sz="3218" dirty="0">
                 <a:latin typeface="Tahoma"/>
                 <a:cs typeface="Tahoma"/>
               </a:rPr>
               <a:t>Model Performance - </a:t>
             </a:r>
             <a:r>
-              <a:rPr lang="en-US" sz="1801" dirty="0"/>
+              <a:rPr lang="en-US" sz="3218" dirty="0"/>
               <a:t>Training dynamics show convergence without overfitting. </a:t>
             </a:r>
             <a:r>
-              <a:rPr lang="en-US" sz="1801" b="1" dirty="0"/>
+              <a:rPr lang="en-US" sz="3218" b="1" dirty="0"/>
               <a:t>Test accuracy: 81.97%, </a:t>
             </a:r>
             <a:r>
-              <a:rPr lang="en-US" sz="1801" dirty="0"/>
+              <a:rPr lang="en-US" sz="3218" dirty="0"/>
               <a:t>Sensitivity: 84.53%, Specificity: 78.64%. </a:t>
             </a:r>
             <a:endParaRPr sz="1100" dirty="0">
@@ -5096,8 +5096,8 @@
         </p:nvSpPr>
         <p:spPr>
           <a:xfrm rot="5400000">
-            <a:off x="457200" y="23865840"/>
-            <a:ext cx="20665440" cy="457200"/>
+            <a:off x="-12009949" y="23902407"/>
+            <a:ext cx="36979507" cy="509846"/>
           </a:xfrm>
           <a:custGeom>
             <a:avLst/>
@@ -5144,8 +5144,8 @@
         </p:nvSpPr>
         <p:spPr>
           <a:xfrm rot="5400000">
-            <a:off x="11155680" y="24231600"/>
-            <a:ext cx="21122640" cy="457200"/>
+            <a:off x="7099403" y="24246792"/>
+            <a:ext cx="37904424" cy="523755"/>
           </a:xfrm>
           <a:custGeom>
             <a:avLst/>
@@ -5200,8 +5200,8 @@
         </p:blipFill>
         <p:spPr>
           <a:xfrm>
-            <a:off x="26700480" y="21214080"/>
-            <a:ext cx="5943600" cy="7406640"/>
+            <a:off x="34861966" y="21215017"/>
+            <a:ext cx="10637936" cy="7470918"/>
           </a:xfrm>
           <a:prstGeom prst="rect">
             <a:avLst/>

--- a/Yale_Poster_Alfredo_jac_36x48.pptx
+++ b/Yale_Poster_Alfredo_jac_36x48.pptx
@@ -1989,8 +1989,8 @@
         </p:blipFill>
         <p:spPr>
           <a:xfrm>
-            <a:off x="26331584" y="21175052"/>
-            <a:ext cx="8586480" cy="7581556"/>
+            <a:off x="21983182" y="21514448"/>
+            <a:ext cx="4804469" cy="4242175"/>
           </a:xfrm>
           <a:prstGeom prst="rect">
             <a:avLst/>
@@ -2019,8 +2019,8 @@
         </p:blipFill>
         <p:spPr>
           <a:xfrm>
-            <a:off x="11129199" y="9208250"/>
-            <a:ext cx="7500991" cy="8329021"/>
+            <a:off x="13476857" y="14818557"/>
+            <a:ext cx="4197096" cy="4660411"/>
           </a:xfrm>
           <a:prstGeom prst="rect">
             <a:avLst/>
@@ -2056,8 +2056,8 @@
         </p:blipFill>
         <p:spPr bwMode="auto">
           <a:xfrm>
-            <a:off x="27492103" y="14652181"/>
-            <a:ext cx="17236090" cy="4939668"/>
+            <a:off x="22632538" y="17864649"/>
+            <a:ext cx="9644262" cy="2763936"/>
           </a:xfrm>
           <a:prstGeom prst="rect">
             <a:avLst/>
@@ -2081,8 +2081,8 @@
         </p:nvSpPr>
         <p:spPr>
           <a:xfrm>
-            <a:off x="-12956451" y="29956"/>
-            <a:ext cx="10426114" cy="5785662"/>
+            <a:off x="0" y="9682946"/>
+            <a:ext cx="5833815" cy="3237303"/>
           </a:xfrm>
           <a:prstGeom prst="rect">
             <a:avLst/>
@@ -2129,8 +2129,8 @@
         </p:nvSpPr>
         <p:spPr>
           <a:xfrm>
-            <a:off x="-1077737" y="2096176"/>
-            <a:ext cx="40806551" cy="2679453"/>
+            <a:off x="6646601" y="10839076"/>
+            <a:ext cx="22832851" cy="1499258"/>
           </a:xfrm>
           <a:prstGeom prst="rect">
             <a:avLst/>
@@ -2151,7 +2151,7 @@
               </a:spcBef>
             </a:pPr>
             <a:r>
-              <a:rPr lang="en-US" sz="5852" dirty="0">
+              <a:rPr lang="en-US" sz="3274" dirty="0">
                 <a:solidFill>
                   <a:schemeClr val="bg1"/>
                 </a:solidFill>
@@ -2169,7 +2169,7 @@
               </a:spcBef>
             </a:pPr>
             <a:r>
-              <a:rPr lang="en-US" sz="4682" dirty="0">
+              <a:rPr lang="en-US" sz="2619" dirty="0">
                 <a:solidFill>
                   <a:schemeClr val="bg1"/>
                 </a:solidFill>
@@ -2200,8 +2200,8 @@
         </p:blipFill>
         <p:spPr>
           <a:xfrm>
-            <a:off x="40441779" y="669246"/>
-            <a:ext cx="4340431" cy="4340431"/>
+            <a:off x="29878385" y="10040653"/>
+            <a:ext cx="2428640" cy="2428640"/>
           </a:xfrm>
           <a:prstGeom prst="rect">
             <a:avLst/>
@@ -2216,8 +2216,8 @@
         </p:nvSpPr>
         <p:spPr>
           <a:xfrm>
-            <a:off x="-5426808" y="6313503"/>
-            <a:ext cx="3608666" cy="804610"/>
+            <a:off x="4213128" y="13198834"/>
+            <a:ext cx="2019189" cy="450210"/>
           </a:xfrm>
           <a:prstGeom prst="rect">
             <a:avLst/>
@@ -2238,7 +2238,7 @@
               </a:spcBef>
             </a:pPr>
             <a:r>
-              <a:rPr sz="4682" b="1" spc="60" dirty="0">
+              <a:rPr sz="2619" b="1" spc="60" dirty="0">
                 <a:solidFill>
                   <a:srgbClr val="00346B"/>
                 </a:solidFill>
@@ -2262,8 +2262,8 @@
         </p:nvSpPr>
         <p:spPr>
           <a:xfrm>
-            <a:off x="-12956451" y="7441809"/>
-            <a:ext cx="58821611" cy="133789"/>
+            <a:off x="0" y="13830165"/>
+            <a:ext cx="32912976" cy="74860"/>
           </a:xfrm>
           <a:custGeom>
             <a:avLst/>
@@ -2304,8 +2304,8 @@
         </p:nvSpPr>
         <p:spPr>
           <a:xfrm>
-            <a:off x="-12194577" y="7685953"/>
-            <a:ext cx="18397192" cy="8863779"/>
+            <a:off x="426298" y="13966773"/>
+            <a:ext cx="10293943" cy="4959629"/>
           </a:xfrm>
           <a:prstGeom prst="rect">
             <a:avLst/>
@@ -2326,7 +2326,7 @@
               </a:spcBef>
             </a:pPr>
             <a:r>
-              <a:rPr lang="en-US" sz="4096" dirty="0">
+              <a:rPr lang="en-US" sz="2292" dirty="0">
                 <a:latin typeface="Tahoma" panose="020B0604030504040204" pitchFamily="34" charset="0"/>
                 <a:ea typeface="Tahoma" panose="020B0604030504040204" pitchFamily="34" charset="0"/>
                 <a:cs typeface="Tahoma" panose="020B0604030504040204" pitchFamily="34" charset="0"/>
@@ -2336,7 +2336,7 @@
           </a:p>
           <a:p>
             <a:r>
-              <a:rPr lang="en-US" sz="4096" b="1" dirty="0">
+              <a:rPr lang="en-US" sz="2292" b="1" dirty="0">
                 <a:latin typeface="Tahoma" panose="020B0604030504040204" pitchFamily="34" charset="0"/>
                 <a:ea typeface="Tahoma" panose="020B0604030504040204" pitchFamily="34" charset="0"/>
                 <a:cs typeface="Tahoma" panose="020B0604030504040204" pitchFamily="34" charset="0"/>
@@ -2344,7 +2344,7 @@
               <a:t>The Convergent Phenotype Hypothesis</a:t>
             </a:r>
             <a:r>
-              <a:rPr lang="en-US" sz="4096" dirty="0">
+              <a:rPr lang="en-US" sz="2292" dirty="0">
                 <a:latin typeface="Tahoma" panose="020B0604030504040204" pitchFamily="34" charset="0"/>
                 <a:ea typeface="Tahoma" panose="020B0604030504040204" pitchFamily="34" charset="0"/>
                 <a:cs typeface="Tahoma" panose="020B0604030504040204" pitchFamily="34" charset="0"/>
@@ -2358,7 +2358,7 @@
               <a:buChar char="•"/>
             </a:pPr>
             <a:r>
-              <a:rPr lang="en-US" sz="4096" b="1" dirty="0">
+              <a:rPr lang="en-US" sz="2292" b="1" dirty="0">
                 <a:latin typeface="Tahoma" panose="020B0604030504040204" pitchFamily="34" charset="0"/>
                 <a:ea typeface="Tahoma" panose="020B0604030504040204" pitchFamily="34" charset="0"/>
                 <a:cs typeface="Tahoma" panose="020B0604030504040204" pitchFamily="34" charset="0"/>
@@ -2366,7 +2366,7 @@
               <a:t>GRIN2A</a:t>
             </a:r>
             <a:r>
-              <a:rPr lang="en-US" sz="4096" dirty="0">
+              <a:rPr lang="en-US" sz="2292" dirty="0">
                 <a:latin typeface="Tahoma" panose="020B0604030504040204" pitchFamily="34" charset="0"/>
                 <a:ea typeface="Tahoma" panose="020B0604030504040204" pitchFamily="34" charset="0"/>
                 <a:cs typeface="Tahoma" panose="020B0604030504040204" pitchFamily="34" charset="0"/>
@@ -2380,7 +2380,7 @@
               <a:buChar char="•"/>
             </a:pPr>
             <a:r>
-              <a:rPr lang="en-US" sz="4096" b="1" dirty="0">
+              <a:rPr lang="en-US" sz="2292" b="1" dirty="0">
                 <a:latin typeface="Tahoma" panose="020B0604030504040204" pitchFamily="34" charset="0"/>
                 <a:ea typeface="Tahoma" panose="020B0604030504040204" pitchFamily="34" charset="0"/>
                 <a:cs typeface="Tahoma" panose="020B0604030504040204" pitchFamily="34" charset="0"/>
@@ -2388,7 +2388,7 @@
               <a:t>GRIN2B</a:t>
             </a:r>
             <a:r>
-              <a:rPr lang="en-US" sz="4096" dirty="0">
+              <a:rPr lang="en-US" sz="2292" dirty="0">
                 <a:latin typeface="Tahoma" panose="020B0604030504040204" pitchFamily="34" charset="0"/>
                 <a:ea typeface="Tahoma" panose="020B0604030504040204" pitchFamily="34" charset="0"/>
                 <a:cs typeface="Tahoma" panose="020B0604030504040204" pitchFamily="34" charset="0"/>
@@ -2402,7 +2402,7 @@
               <a:buChar char="•"/>
             </a:pPr>
             <a:r>
-              <a:rPr lang="en-US" sz="4096" b="1" dirty="0">
+              <a:rPr lang="en-US" sz="2292" b="1" dirty="0">
                 <a:latin typeface="Tahoma" panose="020B0604030504040204" pitchFamily="34" charset="0"/>
                 <a:ea typeface="Tahoma" panose="020B0604030504040204" pitchFamily="34" charset="0"/>
                 <a:cs typeface="Tahoma" panose="020B0604030504040204" pitchFamily="34" charset="0"/>
@@ -2410,7 +2410,7 @@
               <a:t>MECP2</a:t>
             </a:r>
             <a:r>
-              <a:rPr lang="en-US" sz="4096" dirty="0">
+              <a:rPr lang="en-US" sz="2292" dirty="0">
                 <a:latin typeface="Tahoma" panose="020B0604030504040204" pitchFamily="34" charset="0"/>
                 <a:ea typeface="Tahoma" panose="020B0604030504040204" pitchFamily="34" charset="0"/>
                 <a:cs typeface="Tahoma" panose="020B0604030504040204" pitchFamily="34" charset="0"/>
@@ -2420,7 +2420,7 @@
           </a:p>
           <a:p>
             <a:r>
-              <a:rPr lang="en-US" sz="4096" b="1" dirty="0">
+              <a:rPr lang="en-US" sz="2292" b="1" dirty="0">
                 <a:latin typeface="Tahoma" panose="020B0604030504040204" pitchFamily="34" charset="0"/>
                 <a:ea typeface="Tahoma" panose="020B0604030504040204" pitchFamily="34" charset="0"/>
                 <a:cs typeface="Tahoma" panose="020B0604030504040204" pitchFamily="34" charset="0"/>
@@ -2428,7 +2428,7 @@
               <a:t>Research Question</a:t>
             </a:r>
             <a:r>
-              <a:rPr lang="en-US" sz="4096" dirty="0">
+              <a:rPr lang="en-US" sz="2292" dirty="0">
                 <a:latin typeface="Tahoma" panose="020B0604030504040204" pitchFamily="34" charset="0"/>
                 <a:ea typeface="Tahoma" panose="020B0604030504040204" pitchFamily="34" charset="0"/>
                 <a:cs typeface="Tahoma" panose="020B0604030504040204" pitchFamily="34" charset="0"/>
@@ -2462,8 +2462,8 @@
         </p:nvSpPr>
         <p:spPr>
           <a:xfrm>
-            <a:off x="12096218" y="6198185"/>
-            <a:ext cx="11110308" cy="769309"/>
+            <a:off x="14017942" y="13134309"/>
+            <a:ext cx="6216649" cy="430458"/>
           </a:xfrm>
           <a:prstGeom prst="rect">
             <a:avLst/>
@@ -2484,7 +2484,7 @@
               </a:spcBef>
             </a:pPr>
             <a:r>
-              <a:rPr lang="en-US" sz="4682" b="1" spc="55" dirty="0">
+              <a:rPr lang="en-US" sz="2619" b="1" spc="55" dirty="0">
                 <a:solidFill>
                   <a:srgbClr val="00346B"/>
                 </a:solidFill>
@@ -2508,8 +2508,8 @@
         </p:nvSpPr>
         <p:spPr>
           <a:xfrm>
-            <a:off x="7865181" y="17941222"/>
-            <a:ext cx="14279235" cy="1536746"/>
+            <a:off x="11650512" y="19704995"/>
+            <a:ext cx="7989786" cy="859869"/>
           </a:xfrm>
           <a:prstGeom prst="rect">
             <a:avLst/>
@@ -2530,7 +2530,7 @@
               </a:spcBef>
             </a:pPr>
             <a:r>
-              <a:rPr sz="3218" dirty="0">
+              <a:rPr sz="1801" dirty="0">
                 <a:solidFill>
                   <a:srgbClr val="00346B"/>
                 </a:solidFill>
@@ -2540,7 +2540,7 @@
               <a:t>Figure 3. </a:t>
             </a:r>
             <a:r>
-              <a:rPr lang="en-US" sz="3218" dirty="0"/>
+              <a:rPr lang="en-US" sz="1801" dirty="0"/>
               <a:t>Mice run freely on a wheel while widefield calcium imaging captures neural activity across the dorsal cortex. Data is parcellated into 82 brain regions across 3 seconds</a:t>
             </a:r>
             <a:endParaRPr sz="1100" dirty="0">
@@ -2558,8 +2558,8 @@
         </p:nvSpPr>
         <p:spPr>
           <a:xfrm>
-            <a:off x="7452793" y="20661794"/>
-            <a:ext cx="19096492" cy="3193578"/>
+            <a:off x="11419765" y="21227260"/>
+            <a:ext cx="10685229" cy="1786931"/>
           </a:xfrm>
           <a:prstGeom prst="rect">
             <a:avLst/>
@@ -2572,47 +2572,47 @@
           <a:lstStyle/>
           <a:p>
             <a:r>
-              <a:rPr lang="en-US" sz="4096" dirty="0"/>
+              <a:rPr lang="en-US" sz="2292" dirty="0"/>
               <a:t>We developed a Vision Transformer adapted for neural time series:</a:t>
             </a:r>
           </a:p>
           <a:p>
             <a:r>
-              <a:rPr lang="en-US" sz="4096" b="1" dirty="0"/>
+              <a:rPr lang="en-US" sz="2292" b="1" dirty="0"/>
               <a:t>Input</a:t>
             </a:r>
             <a:r>
-              <a:rPr lang="en-US" sz="4096" dirty="0"/>
+              <a:rPr lang="en-US" sz="2292" dirty="0"/>
               <a:t>: 82 regions × 30 timepoints → 246 patches</a:t>
             </a:r>
           </a:p>
           <a:p>
             <a:r>
-              <a:rPr lang="en-US" sz="4096" b="1" dirty="0"/>
+              <a:rPr lang="en-US" sz="2292" b="1" dirty="0"/>
               <a:t>Architecture</a:t>
             </a:r>
             <a:r>
-              <a:rPr lang="en-US" sz="4096" dirty="0"/>
+              <a:rPr lang="en-US" sz="2292" dirty="0"/>
               <a:t>: 6 transformer layers, single-head attention, 128-dim embeddings</a:t>
             </a:r>
           </a:p>
           <a:p>
             <a:r>
-              <a:rPr lang="en-US" sz="4096" b="1" dirty="0"/>
+              <a:rPr lang="en-US" sz="2292" b="1" dirty="0"/>
               <a:t>Training</a:t>
             </a:r>
             <a:r>
-              <a:rPr lang="en-US" sz="4096" dirty="0"/>
+              <a:rPr lang="en-US" sz="2292" dirty="0"/>
               <a:t>: 244,205 windows with session-level train/validation split</a:t>
             </a:r>
           </a:p>
           <a:p>
             <a:r>
-              <a:rPr lang="en-US" sz="4096" b="1" dirty="0"/>
+              <a:rPr lang="en-US" sz="2292" b="1" dirty="0"/>
               <a:t>Key Innovation</a:t>
             </a:r>
             <a:r>
-              <a:rPr lang="en-US" sz="4096" dirty="0"/>
+              <a:rPr lang="en-US" sz="2292" dirty="0"/>
               <a:t>: Treats brain activity as spatiotemporal "image" for AI analysis</a:t>
             </a:r>
           </a:p>
@@ -2626,8 +2626,8 @@
         </p:nvSpPr>
         <p:spPr>
           <a:xfrm>
-            <a:off x="7762721" y="33763890"/>
-            <a:ext cx="14940103" cy="1536746"/>
+            <a:off x="11593182" y="28558392"/>
+            <a:ext cx="8359568" cy="859869"/>
           </a:xfrm>
           <a:prstGeom prst="rect">
             <a:avLst/>
@@ -2648,7 +2648,7 @@
               </a:spcBef>
             </a:pPr>
             <a:r>
-              <a:rPr sz="3218" dirty="0">
+              <a:rPr sz="1801" dirty="0">
                 <a:solidFill>
                   <a:srgbClr val="00346B"/>
                 </a:solidFill>
@@ -2658,7 +2658,7 @@
               <a:t>Figure</a:t>
             </a:r>
             <a:r>
-              <a:rPr sz="3218" spc="-20" dirty="0">
+              <a:rPr sz="1801" spc="-20" dirty="0">
                 <a:solidFill>
                   <a:srgbClr val="00346B"/>
                 </a:solidFill>
@@ -2668,7 +2668,7 @@
               <a:t> </a:t>
             </a:r>
             <a:r>
-              <a:rPr sz="3218" dirty="0">
+              <a:rPr sz="1801" dirty="0">
                 <a:solidFill>
                   <a:srgbClr val="00346B"/>
                 </a:solidFill>
@@ -2678,7 +2678,7 @@
               <a:t>4.</a:t>
             </a:r>
             <a:r>
-              <a:rPr sz="3218" spc="-15" dirty="0">
+              <a:rPr sz="1801" spc="-15" dirty="0">
                 <a:solidFill>
                   <a:srgbClr val="00346B"/>
                 </a:solidFill>
@@ -2688,7 +2688,7 @@
               <a:t> </a:t>
             </a:r>
             <a:r>
-              <a:rPr lang="en-US" sz="3218" dirty="0"/>
+              <a:rPr lang="en-US" sz="1801" dirty="0"/>
               <a:t>Vision Transformer processes 3-second brain activity windows by dividing them into patches (82 regions × 3 time segments). Self-attention mechanisms learn which brain patterns distinguish autism models from controls.</a:t>
             </a:r>
             <a:endParaRPr sz="1100" dirty="0">
@@ -2706,8 +2706,8 @@
         </p:nvSpPr>
         <p:spPr>
           <a:xfrm>
-            <a:off x="7093761" y="37200471"/>
-            <a:ext cx="17725578" cy="2539290"/>
+            <a:off x="11218873" y="30481293"/>
+            <a:ext cx="9918149" cy="1420831"/>
           </a:xfrm>
           <a:prstGeom prst="rect">
             <a:avLst/>
@@ -2728,15 +2728,15 @@
               </a:spcBef>
             </a:pPr>
             <a:r>
-              <a:rPr lang="en-US" sz="4096" dirty="0"/>
+              <a:rPr lang="en-US" sz="2292" dirty="0"/>
               <a:t>Our Brain Vision Transformer achieved </a:t>
             </a:r>
             <a:r>
-              <a:rPr lang="en-US" sz="4096" b="1" dirty="0"/>
+              <a:rPr lang="en-US" sz="2292" b="1" dirty="0"/>
               <a:t>82% test accuracy</a:t>
             </a:r>
             <a:r>
-              <a:rPr lang="en-US" sz="4096" dirty="0"/>
+              <a:rPr lang="en-US" sz="2292" dirty="0"/>
               <a:t> in distinguishing autism models from controls across all three genes combined, demonstrating that different genetic mutations cause detectable, unique patterns of altered cortical activity.</a:t>
             </a:r>
             <a:endParaRPr sz="1350" dirty="0">
@@ -2754,8 +2754,8 @@
         </p:nvSpPr>
         <p:spPr>
           <a:xfrm>
-            <a:off x="27909249" y="6120839"/>
-            <a:ext cx="17651249" cy="880015"/>
+            <a:off x="22865947" y="13091031"/>
+            <a:ext cx="9876559" cy="492403"/>
           </a:xfrm>
           <a:prstGeom prst="rect">
             <a:avLst/>
@@ -2779,7 +2779,7 @@
               </a:spcBef>
             </a:pPr>
             <a:r>
-              <a:rPr lang="en-US" sz="4682" b="1" dirty="0">
+              <a:rPr lang="en-US" sz="2619" b="1" dirty="0">
                 <a:solidFill>
                   <a:schemeClr val="tx2"/>
                 </a:solidFill>
@@ -2806,8 +2806,8 @@
         </p:nvSpPr>
         <p:spPr>
           <a:xfrm>
-            <a:off x="33629169" y="30116578"/>
-            <a:ext cx="3630965" cy="804610"/>
+            <a:off x="26066465" y="26517580"/>
+            <a:ext cx="2031666" cy="450210"/>
           </a:xfrm>
           <a:prstGeom prst="rect">
             <a:avLst/>
@@ -2828,7 +2828,7 @@
               </a:spcBef>
             </a:pPr>
             <a:r>
-              <a:rPr sz="4682" b="1" spc="60" dirty="0">
+              <a:rPr sz="2619" b="1" spc="60" dirty="0">
                 <a:solidFill>
                   <a:srgbClr val="00346B"/>
                 </a:solidFill>
@@ -2852,8 +2852,8 @@
         </p:nvSpPr>
         <p:spPr>
           <a:xfrm>
-            <a:off x="26403054" y="30865061"/>
-            <a:ext cx="19462108" cy="133789"/>
+            <a:off x="22023172" y="26936385"/>
+            <a:ext cx="10889805" cy="74860"/>
           </a:xfrm>
           <a:custGeom>
             <a:avLst/>
@@ -2894,8 +2894,8 @@
         </p:nvSpPr>
         <p:spPr>
           <a:xfrm>
-            <a:off x="27313070" y="30446160"/>
-            <a:ext cx="17218230" cy="4358803"/>
+            <a:off x="22532362" y="26701993"/>
+            <a:ext cx="9634269" cy="2438919"/>
           </a:xfrm>
           <a:prstGeom prst="rect">
             <a:avLst/>
@@ -2911,11 +2911,11 @@
           </a:p>
           <a:p>
             <a:r>
-              <a:rPr lang="en-US" sz="3511" b="1" dirty="0"/>
+              <a:rPr lang="en-US" sz="1964" b="1" dirty="0"/>
               <a:t>AI Detects Invisible Patterns</a:t>
             </a:r>
             <a:r>
-              <a:rPr lang="en-US" sz="3511" dirty="0"/>
+              <a:rPr lang="en-US" sz="1964" dirty="0"/>
               <a:t>: Vision Transformers successfully identify autism-related neural signatures with 82% accuracy, detecting subtle 1-3% connectivity changes invisible to traditional analysis.</a:t>
             </a:r>
           </a:p>
@@ -2924,11 +2924,11 @@
           </a:p>
           <a:p>
             <a:r>
-              <a:rPr lang="en-US" sz="3511" b="1" dirty="0"/>
+              <a:rPr lang="en-US" sz="1964" b="1" dirty="0"/>
               <a:t>Convergent Neural Phenotypes</a:t>
             </a:r>
             <a:r>
-              <a:rPr lang="en-US" sz="3511" dirty="0"/>
+              <a:rPr lang="en-US" sz="1964" dirty="0"/>
               <a:t>: Different autism genes converge on detectable brain activity patterns, supporting the hypothesis of shared neural mechanisms despite distinct genetic causes.</a:t>
             </a:r>
           </a:p>
@@ -2942,8 +2942,8 @@
         </p:nvSpPr>
         <p:spPr>
           <a:xfrm>
-            <a:off x="33462924" y="34323830"/>
-            <a:ext cx="5709601" cy="769309"/>
+            <a:off x="25973444" y="28871700"/>
+            <a:ext cx="3194743" cy="430458"/>
           </a:xfrm>
           <a:prstGeom prst="rect">
             <a:avLst/>
@@ -2964,7 +2964,7 @@
               </a:spcBef>
             </a:pPr>
             <a:r>
-              <a:rPr sz="4682" b="1" spc="-10" dirty="0">
+              <a:rPr sz="2619" b="1" spc="-10" dirty="0">
                 <a:solidFill>
                   <a:srgbClr val="00346B"/>
                 </a:solidFill>
@@ -2974,7 +2974,7 @@
               <a:t>Future</a:t>
             </a:r>
             <a:r>
-              <a:rPr sz="4682" b="1" spc="-105" dirty="0">
+              <a:rPr sz="2619" b="1" spc="-105" dirty="0">
                 <a:solidFill>
                   <a:srgbClr val="00346B"/>
                 </a:solidFill>
@@ -2984,7 +2984,7 @@
               <a:t> </a:t>
             </a:r>
             <a:r>
-              <a:rPr lang="en-US" sz="4682" b="1" spc="-20" dirty="0">
+              <a:rPr lang="en-US" sz="2619" b="1" spc="-20" dirty="0">
                 <a:solidFill>
                   <a:srgbClr val="00346B"/>
                 </a:solidFill>
@@ -3008,8 +3008,8 @@
         </p:nvSpPr>
         <p:spPr>
           <a:xfrm flipV="1">
-            <a:off x="26313493" y="35166192"/>
-            <a:ext cx="19551665" cy="133789"/>
+            <a:off x="21973060" y="29343035"/>
+            <a:ext cx="10939916" cy="74860"/>
           </a:xfrm>
           <a:custGeom>
             <a:avLst/>
@@ -3050,8 +3050,8 @@
         </p:nvSpPr>
         <p:spPr>
           <a:xfrm>
-            <a:off x="34277680" y="38139336"/>
-            <a:ext cx="3357806" cy="804610"/>
+            <a:off x="26429332" y="31006624"/>
+            <a:ext cx="1878823" cy="450210"/>
           </a:xfrm>
           <a:prstGeom prst="rect">
             <a:avLst/>
@@ -3072,7 +3072,7 @@
               </a:spcBef>
             </a:pPr>
             <a:r>
-              <a:rPr sz="4682" b="1" spc="-10" dirty="0">
+              <a:rPr sz="2619" b="1" spc="-10" dirty="0">
                 <a:solidFill>
                   <a:srgbClr val="00346B"/>
                 </a:solidFill>
@@ -3096,8 +3096,8 @@
         </p:nvSpPr>
         <p:spPr>
           <a:xfrm flipV="1">
-            <a:off x="26313493" y="38882147"/>
-            <a:ext cx="19551665" cy="133789"/>
+            <a:off x="21973060" y="31422256"/>
+            <a:ext cx="10939916" cy="74860"/>
           </a:xfrm>
           <a:custGeom>
             <a:avLst/>
@@ -3138,8 +3138,8 @@
         </p:nvSpPr>
         <p:spPr>
           <a:xfrm>
-            <a:off x="26985561" y="39313550"/>
-            <a:ext cx="19021352" cy="3359638"/>
+            <a:off x="22349108" y="31663643"/>
+            <a:ext cx="10643185" cy="1879848"/>
           </a:xfrm>
           <a:prstGeom prst="rect">
             <a:avLst/>
@@ -3163,21 +3163,21 @@
               </a:tabLst>
             </a:pPr>
             <a:r>
-              <a:rPr lang="en-US" sz="2487" spc="-20" dirty="0">
+              <a:rPr lang="en-US" sz="1391" spc="-20" dirty="0">
                 <a:latin typeface="Tahoma"/>
                 <a:cs typeface="Tahoma"/>
               </a:rPr>
               <a:t>1.	Vaswani A, </a:t>
             </a:r>
             <a:r>
-              <a:rPr lang="en-US" sz="2487" spc="-20" dirty="0" err="1">
+              <a:rPr lang="en-US" sz="1391" spc="-20" dirty="0" err="1">
                 <a:latin typeface="Tahoma"/>
                 <a:cs typeface="Tahoma"/>
               </a:rPr>
               <a:t>Shazeer</a:t>
             </a:r>
             <a:r>
-              <a:rPr lang="en-US" sz="2487" spc="-20" dirty="0">
+              <a:rPr lang="en-US" sz="1391" spc="-20" dirty="0">
                 <a:latin typeface="Tahoma"/>
                 <a:cs typeface="Tahoma"/>
               </a:rPr>
@@ -3197,21 +3197,21 @@
               </a:tabLst>
             </a:pPr>
             <a:r>
-              <a:rPr lang="en-US" sz="2487" spc="-20" dirty="0">
+              <a:rPr lang="en-US" sz="1391" spc="-20" dirty="0">
                 <a:latin typeface="Tahoma"/>
                 <a:cs typeface="Tahoma"/>
               </a:rPr>
               <a:t>2.	Ortega Caro J, Badea A, Marks S, et al. (2024). </a:t>
             </a:r>
             <a:r>
-              <a:rPr lang="en-US" sz="2487" spc="-20" dirty="0" err="1">
+              <a:rPr lang="en-US" sz="1391" spc="-20" dirty="0" err="1">
                 <a:latin typeface="Tahoma"/>
                 <a:cs typeface="Tahoma"/>
               </a:rPr>
               <a:t>BrainLM</a:t>
             </a:r>
             <a:r>
-              <a:rPr lang="en-US" sz="2487" spc="-20" dirty="0">
+              <a:rPr lang="en-US" sz="1391" spc="-20" dirty="0">
                 <a:latin typeface="Tahoma"/>
                 <a:cs typeface="Tahoma"/>
               </a:rPr>
@@ -3231,21 +3231,21 @@
               </a:tabLst>
             </a:pPr>
             <a:r>
-              <a:rPr lang="en-US" sz="2487" spc="-20" dirty="0">
+              <a:rPr lang="en-US" sz="1391" spc="-20" dirty="0">
                 <a:latin typeface="Tahoma"/>
                 <a:cs typeface="Tahoma"/>
               </a:rPr>
               <a:t>3.	</a:t>
             </a:r>
             <a:r>
-              <a:rPr lang="en-US" sz="2487" spc="-20" dirty="0" err="1">
+              <a:rPr lang="en-US" sz="1391" spc="-20" dirty="0" err="1">
                 <a:latin typeface="Tahoma"/>
                 <a:cs typeface="Tahoma"/>
               </a:rPr>
               <a:t>Dosovitskiy</a:t>
             </a:r>
             <a:r>
-              <a:rPr lang="en-US" sz="2487" spc="-20" dirty="0">
+              <a:rPr lang="en-US" sz="1391" spc="-20" dirty="0">
                 <a:latin typeface="Tahoma"/>
                 <a:cs typeface="Tahoma"/>
               </a:rPr>
@@ -3265,7 +3265,7 @@
               </a:tabLst>
             </a:pPr>
             <a:r>
-              <a:rPr lang="en-US" sz="2487" spc="-20" dirty="0">
+              <a:rPr lang="en-US" sz="1391" spc="-20" dirty="0">
                 <a:latin typeface="Tahoma"/>
                 <a:cs typeface="Tahoma"/>
               </a:rPr>
@@ -3286,8 +3286,8 @@
         </p:nvSpPr>
         <p:spPr>
           <a:xfrm>
-            <a:off x="-12966143" y="42717757"/>
-            <a:ext cx="58831303" cy="1274737"/>
+            <a:off x="-5423" y="33568429"/>
+            <a:ext cx="32918399" cy="713265"/>
           </a:xfrm>
           <a:custGeom>
             <a:avLst/>
@@ -3336,8 +3336,8 @@
         </p:nvSpPr>
         <p:spPr>
           <a:xfrm>
-            <a:off x="12699347" y="42830781"/>
-            <a:ext cx="3491598" cy="681967"/>
+            <a:off x="14355416" y="33631670"/>
+            <a:ext cx="1953685" cy="381587"/>
           </a:xfrm>
           <a:prstGeom prst="rect">
             <a:avLst/>
@@ -3358,7 +3358,7 @@
               </a:spcBef>
             </a:pPr>
             <a:r>
-              <a:rPr sz="3950" dirty="0">
+              <a:rPr sz="2210" dirty="0">
                 <a:solidFill>
                   <a:srgbClr val="FFFFFF"/>
                 </a:solidFill>
@@ -3368,7 +3368,7 @@
               <a:t>Poster</a:t>
             </a:r>
             <a:r>
-              <a:rPr sz="3950" spc="80" dirty="0">
+              <a:rPr sz="2210" spc="80" dirty="0">
                 <a:solidFill>
                   <a:srgbClr val="FFFFFF"/>
                 </a:solidFill>
@@ -3378,7 +3378,7 @@
               <a:t> </a:t>
             </a:r>
             <a:r>
-              <a:rPr sz="3950" spc="55" dirty="0">
+              <a:rPr sz="2210" spc="55" dirty="0">
                 <a:solidFill>
                   <a:srgbClr val="FFFFFF"/>
                 </a:solidFill>
@@ -3402,8 +3402,8 @@
         </p:nvSpPr>
         <p:spPr>
           <a:xfrm>
-            <a:off x="39426822" y="43138722"/>
-            <a:ext cx="6964009" cy="649224"/>
+            <a:off x="29310476" y="33803975"/>
+            <a:ext cx="3896633" cy="363266"/>
           </a:xfrm>
           <a:prstGeom prst="rect">
             <a:avLst/>
@@ -3424,7 +3424,7 @@
               </a:spcBef>
             </a:pPr>
             <a:r>
-              <a:rPr lang="en-US" sz="3950" spc="-10" dirty="0">
+              <a:rPr lang="en-US" sz="2210" spc="-10" dirty="0">
                 <a:solidFill>
                   <a:srgbClr val="FFFFFF"/>
                 </a:solidFill>
@@ -3461,8 +3461,8 @@
           </p:nvPr>
         </p:nvGraphicFramePr>
         <p:xfrm>
-          <a:off x="-12956451" y="1078233"/>
-          <a:ext cx="10461048" cy="3764628"/>
+          <a:off x="0" y="10269497"/>
+          <a:ext cx="5853363" cy="2106456"/>
         </p:xfrm>
         <a:graphic>
           <a:graphicData uri="http://schemas.openxmlformats.org/presentationml/2006/ole">
@@ -3527,8 +3527,8 @@
         </p:nvSpPr>
         <p:spPr>
           <a:xfrm>
-            <a:off x="-1156743" y="863391"/>
-            <a:ext cx="40964562" cy="1508601"/>
+            <a:off x="6602395" y="10149285"/>
+            <a:ext cx="22921263" cy="844120"/>
           </a:xfrm>
         </p:spPr>
         <p:txBody>
@@ -3571,8 +3571,8 @@
         </p:blipFill>
         <p:spPr>
           <a:xfrm>
-            <a:off x="-12883852" y="15938717"/>
-            <a:ext cx="19977614" cy="6141952"/>
+            <a:off x="40622" y="18584516"/>
+            <a:ext cx="11178251" cy="3436661"/>
           </a:xfrm>
           <a:prstGeom prst="rect">
             <a:avLst/>
@@ -3593,8 +3593,8 @@
         </p:nvSpPr>
         <p:spPr>
           <a:xfrm>
-            <a:off x="-12098822" y="22223525"/>
-            <a:ext cx="19551616" cy="1260919"/>
+            <a:off x="479876" y="22101110"/>
+            <a:ext cx="10939888" cy="705533"/>
           </a:xfrm>
           <a:prstGeom prst="rect">
             <a:avLst/>
@@ -3616,7 +3616,7 @@
               </a:spcBef>
             </a:pPr>
             <a:r>
-              <a:rPr lang="en-US" sz="3218" dirty="0">
+              <a:rPr lang="en-US" sz="1801" dirty="0">
                 <a:solidFill>
                   <a:srgbClr val="00346B"/>
                 </a:solidFill>
@@ -3626,7 +3626,7 @@
               <a:t>Figure</a:t>
             </a:r>
             <a:r>
-              <a:rPr lang="en-US" sz="3218" spc="20" dirty="0">
+              <a:rPr lang="en-US" sz="1801" spc="20" dirty="0">
                 <a:solidFill>
                   <a:srgbClr val="00346B"/>
                 </a:solidFill>
@@ -3636,7 +3636,7 @@
               <a:t> 1</a:t>
             </a:r>
             <a:r>
-              <a:rPr lang="en-US" sz="3218" dirty="0">
+              <a:rPr lang="en-US" sz="1801" dirty="0">
                 <a:solidFill>
                   <a:srgbClr val="00346B"/>
                 </a:solidFill>
@@ -3646,7 +3646,7 @@
               <a:t>.</a:t>
             </a:r>
             <a:r>
-              <a:rPr lang="en-US" sz="3218" spc="20" dirty="0">
+              <a:rPr lang="en-US" sz="1801" spc="20" dirty="0">
                 <a:solidFill>
                   <a:srgbClr val="00346B"/>
                 </a:solidFill>
@@ -3656,7 +3656,7 @@
               <a:t> </a:t>
             </a:r>
             <a:r>
-              <a:rPr lang="en-US" sz="3218" dirty="0"/>
+              <a:rPr lang="en-US" sz="1801" dirty="0"/>
               <a:t>Different autism genes affecting distinct cellular processes may lead to convergent neural phenotypes and shared behavioral outcomes including social deficits and repetitive behaviors.</a:t>
             </a:r>
             <a:endParaRPr lang="en-US" sz="1100" dirty="0">
@@ -3680,8 +3680,8 @@
         </p:nvSpPr>
         <p:spPr>
           <a:xfrm>
-            <a:off x="-12194580" y="31050377"/>
-            <a:ext cx="18061916" cy="1756280"/>
+            <a:off x="426296" y="27040076"/>
+            <a:ext cx="10106343" cy="982706"/>
           </a:xfrm>
           <a:prstGeom prst="rect">
             <a:avLst/>
@@ -3703,7 +3703,7 @@
               </a:spcBef>
             </a:pPr>
             <a:r>
-              <a:rPr lang="en-US" sz="3218" dirty="0">
+              <a:rPr lang="en-US" sz="1801" dirty="0">
                 <a:solidFill>
                   <a:srgbClr val="00346B"/>
                 </a:solidFill>
@@ -3713,7 +3713,7 @@
               <a:t>Figure</a:t>
             </a:r>
             <a:r>
-              <a:rPr lang="en-US" sz="3218" spc="20" dirty="0">
+              <a:rPr lang="en-US" sz="1801" spc="20" dirty="0">
                 <a:solidFill>
                   <a:srgbClr val="00346B"/>
                 </a:solidFill>
@@ -3723,7 +3723,7 @@
               <a:t> 2</a:t>
             </a:r>
             <a:r>
-              <a:rPr lang="en-US" sz="3218" dirty="0">
+              <a:rPr lang="en-US" sz="1801" dirty="0">
                 <a:solidFill>
                   <a:srgbClr val="00346B"/>
                 </a:solidFill>
@@ -3733,7 +3733,7 @@
               <a:t>.</a:t>
             </a:r>
             <a:r>
-              <a:rPr lang="en-US" sz="3218" spc="20" dirty="0">
+              <a:rPr lang="en-US" sz="1801" spc="20" dirty="0">
                 <a:solidFill>
                   <a:srgbClr val="00346B"/>
                 </a:solidFill>
@@ -3743,7 +3743,7 @@
               <a:t> </a:t>
             </a:r>
             <a:r>
-              <a:rPr lang="en-US" sz="3218" dirty="0"/>
+              <a:rPr lang="en-US" sz="1801" dirty="0"/>
               <a:t>Three-chamber social preference test shows reduced social interaction in MeCP2 knockdown mice, with sex-specific effects. Females exhibit stronger behavioral deficits despite mosaic expression.</a:t>
             </a:r>
             <a:endParaRPr lang="en-US" sz="1100" dirty="0">
@@ -3775,8 +3775,8 @@
         </p:blipFill>
         <p:spPr>
           <a:xfrm>
-            <a:off x="-12739475" y="25796991"/>
-            <a:ext cx="9161733" cy="3839844"/>
+            <a:off x="121406" y="24100603"/>
+            <a:ext cx="5126345" cy="2148542"/>
           </a:xfrm>
           <a:prstGeom prst="rect">
             <a:avLst/>
@@ -3812,8 +3812,8 @@
         </p:blipFill>
         <p:spPr>
           <a:xfrm>
-            <a:off x="-2775125" y="23756160"/>
-            <a:ext cx="9235119" cy="7183478"/>
+            <a:off x="5696847" y="22958679"/>
+            <a:ext cx="5167408" cy="4019435"/>
           </a:xfrm>
           <a:prstGeom prst="rect">
             <a:avLst/>
@@ -3834,8 +3834,8 @@
         </p:nvSpPr>
         <p:spPr>
           <a:xfrm>
-            <a:off x="-3163622" y="23955145"/>
-            <a:ext cx="891946" cy="662232"/>
+            <a:off x="5479468" y="23070018"/>
+            <a:ext cx="499078" cy="370544"/>
           </a:xfrm>
           <a:prstGeom prst="rect">
             <a:avLst/>
@@ -3888,8 +3888,8 @@
         </p:nvSpPr>
         <p:spPr>
           <a:xfrm>
-            <a:off x="-12883852" y="33438406"/>
-            <a:ext cx="19618582" cy="151944"/>
+            <a:off x="40622" y="28376271"/>
+            <a:ext cx="10977359" cy="85018"/>
           </a:xfrm>
           <a:custGeom>
             <a:avLst/>
@@ -3936,8 +3936,8 @@
         </p:nvSpPr>
         <p:spPr>
           <a:xfrm>
-            <a:off x="-5426808" y="32477366"/>
-            <a:ext cx="30748263" cy="990721"/>
+            <a:off x="4213128" y="27838532"/>
+            <a:ext cx="17204847" cy="554347"/>
           </a:xfrm>
           <a:prstGeom prst="rect">
             <a:avLst/>
@@ -3951,7 +3951,7 @@
           <a:lstStyle/>
           <a:p>
             <a:r>
-              <a:rPr lang="en-US" sz="4682" b="1" spc="60" dirty="0">
+              <a:rPr lang="en-US" sz="2619" b="1" spc="60" dirty="0">
                 <a:solidFill>
                   <a:srgbClr val="00346B"/>
                 </a:solidFill>
@@ -3978,8 +3978,8 @@
         </p:nvSpPr>
         <p:spPr>
           <a:xfrm>
-            <a:off x="-12820406" y="34023936"/>
-            <a:ext cx="20273200" cy="6574795"/>
+            <a:off x="76122" y="28703898"/>
+            <a:ext cx="11343643" cy="3678853"/>
           </a:xfrm>
           <a:prstGeom prst="rect">
             <a:avLst/>
@@ -3993,7 +3993,7 @@
           <a:lstStyle/>
           <a:p>
             <a:r>
-              <a:rPr lang="en-US" sz="4096" b="1" dirty="0">
+              <a:rPr lang="en-US" sz="2292" b="1" dirty="0">
                 <a:latin typeface="Tahoma" panose="020B0604030504040204" pitchFamily="34" charset="0"/>
                 <a:ea typeface="Tahoma" panose="020B0604030504040204" pitchFamily="34" charset="0"/>
                 <a:cs typeface="Tahoma" panose="020B0604030504040204" pitchFamily="34" charset="0"/>
@@ -4003,7 +4003,7 @@
           </a:p>
           <a:p>
             <a:r>
-              <a:rPr lang="en-US" sz="4096" dirty="0">
+              <a:rPr lang="en-US" sz="2292" dirty="0">
                 <a:latin typeface="Tahoma" panose="020B0604030504040204" pitchFamily="34" charset="0"/>
                 <a:ea typeface="Tahoma" panose="020B0604030504040204" pitchFamily="34" charset="0"/>
                 <a:cs typeface="Tahoma" panose="020B0604030504040204" pitchFamily="34" charset="0"/>
@@ -4013,7 +4013,7 @@
           </a:p>
           <a:p>
             <a:r>
-              <a:rPr lang="en-US" sz="4096" b="1" dirty="0">
+              <a:rPr lang="en-US" sz="2292" b="1" dirty="0">
                 <a:latin typeface="Tahoma" panose="020B0604030504040204" pitchFamily="34" charset="0"/>
                 <a:ea typeface="Tahoma" panose="020B0604030504040204" pitchFamily="34" charset="0"/>
                 <a:cs typeface="Tahoma" panose="020B0604030504040204" pitchFamily="34" charset="0"/>
@@ -4021,7 +4021,7 @@
               <a:t>Subjects</a:t>
             </a:r>
             <a:r>
-              <a:rPr lang="en-US" sz="4096" dirty="0">
+              <a:rPr lang="en-US" sz="2292" dirty="0">
                 <a:latin typeface="Tahoma" panose="020B0604030504040204" pitchFamily="34" charset="0"/>
                 <a:ea typeface="Tahoma" panose="020B0604030504040204" pitchFamily="34" charset="0"/>
                 <a:cs typeface="Tahoma" panose="020B0604030504040204" pitchFamily="34" charset="0"/>
@@ -4031,7 +4031,7 @@
           </a:p>
           <a:p>
             <a:r>
-              <a:rPr lang="en-US" sz="4096" b="1" dirty="0">
+              <a:rPr lang="en-US" sz="2292" b="1" dirty="0">
                 <a:latin typeface="Tahoma" panose="020B0604030504040204" pitchFamily="34" charset="0"/>
                 <a:ea typeface="Tahoma" panose="020B0604030504040204" pitchFamily="34" charset="0"/>
                 <a:cs typeface="Tahoma" panose="020B0604030504040204" pitchFamily="34" charset="0"/>
@@ -4039,7 +4039,7 @@
               <a:t>Age</a:t>
             </a:r>
             <a:r>
-              <a:rPr lang="en-US" sz="4096" dirty="0">
+              <a:rPr lang="en-US" sz="2292" dirty="0">
                 <a:latin typeface="Tahoma" panose="020B0604030504040204" pitchFamily="34" charset="0"/>
                 <a:ea typeface="Tahoma" panose="020B0604030504040204" pitchFamily="34" charset="0"/>
                 <a:cs typeface="Tahoma" panose="020B0604030504040204" pitchFamily="34" charset="0"/>
@@ -4049,7 +4049,7 @@
           </a:p>
           <a:p>
             <a:r>
-              <a:rPr lang="en-US" sz="4096" b="1" dirty="0">
+              <a:rPr lang="en-US" sz="2292" b="1" dirty="0">
                 <a:latin typeface="Tahoma" panose="020B0604030504040204" pitchFamily="34" charset="0"/>
                 <a:ea typeface="Tahoma" panose="020B0604030504040204" pitchFamily="34" charset="0"/>
                 <a:cs typeface="Tahoma" panose="020B0604030504040204" pitchFamily="34" charset="0"/>
@@ -4057,7 +4057,7 @@
               <a:t>Recording</a:t>
             </a:r>
             <a:r>
-              <a:rPr lang="en-US" sz="4096" dirty="0">
+              <a:rPr lang="en-US" sz="2292" dirty="0">
                 <a:latin typeface="Tahoma" panose="020B0604030504040204" pitchFamily="34" charset="0"/>
                 <a:ea typeface="Tahoma" panose="020B0604030504040204" pitchFamily="34" charset="0"/>
                 <a:cs typeface="Tahoma" panose="020B0604030504040204" pitchFamily="34" charset="0"/>
@@ -4067,7 +4067,7 @@
           </a:p>
           <a:p>
             <a:r>
-              <a:rPr lang="en-US" sz="4096" b="1" dirty="0">
+              <a:rPr lang="en-US" sz="2292" b="1" dirty="0">
                 <a:latin typeface="Tahoma" panose="020B0604030504040204" pitchFamily="34" charset="0"/>
                 <a:ea typeface="Tahoma" panose="020B0604030504040204" pitchFamily="34" charset="0"/>
                 <a:cs typeface="Tahoma" panose="020B0604030504040204" pitchFamily="34" charset="0"/>
@@ -4077,7 +4077,7 @@
           </a:p>
           <a:p>
             <a:r>
-              <a:rPr lang="en-US" sz="4096" dirty="0">
+              <a:rPr lang="en-US" sz="2292" dirty="0">
                 <a:latin typeface="Tahoma" panose="020B0604030504040204" pitchFamily="34" charset="0"/>
                 <a:ea typeface="Tahoma" panose="020B0604030504040204" pitchFamily="34" charset="0"/>
                 <a:cs typeface="Tahoma" panose="020B0604030504040204" pitchFamily="34" charset="0"/>
@@ -4087,7 +4087,7 @@
           </a:p>
           <a:p>
             <a:r>
-              <a:rPr lang="en-US" sz="4096" b="1" dirty="0">
+              <a:rPr lang="en-US" sz="2292" b="1" dirty="0">
                 <a:latin typeface="Tahoma" panose="020B0604030504040204" pitchFamily="34" charset="0"/>
                 <a:ea typeface="Tahoma" panose="020B0604030504040204" pitchFamily="34" charset="0"/>
                 <a:cs typeface="Tahoma" panose="020B0604030504040204" pitchFamily="34" charset="0"/>
@@ -4095,7 +4095,7 @@
               <a:t>Coverage</a:t>
             </a:r>
             <a:r>
-              <a:rPr lang="en-US" sz="4096" dirty="0">
+              <a:rPr lang="en-US" sz="2292" dirty="0">
                 <a:latin typeface="Tahoma" panose="020B0604030504040204" pitchFamily="34" charset="0"/>
                 <a:ea typeface="Tahoma" panose="020B0604030504040204" pitchFamily="34" charset="0"/>
                 <a:cs typeface="Tahoma" panose="020B0604030504040204" pitchFamily="34" charset="0"/>
@@ -4105,7 +4105,7 @@
           </a:p>
           <a:p>
             <a:r>
-              <a:rPr lang="en-US" sz="4096" b="1" dirty="0">
+              <a:rPr lang="en-US" sz="2292" b="1" dirty="0">
                 <a:latin typeface="Tahoma" panose="020B0604030504040204" pitchFamily="34" charset="0"/>
                 <a:ea typeface="Tahoma" panose="020B0604030504040204" pitchFamily="34" charset="0"/>
                 <a:cs typeface="Tahoma" panose="020B0604030504040204" pitchFamily="34" charset="0"/>
@@ -4113,7 +4113,7 @@
               <a:t>Sampling</a:t>
             </a:r>
             <a:r>
-              <a:rPr lang="en-US" sz="4096" dirty="0">
+              <a:rPr lang="en-US" sz="2292" dirty="0">
                 <a:latin typeface="Tahoma" panose="020B0604030504040204" pitchFamily="34" charset="0"/>
                 <a:ea typeface="Tahoma" panose="020B0604030504040204" pitchFamily="34" charset="0"/>
                 <a:cs typeface="Tahoma" panose="020B0604030504040204" pitchFamily="34" charset="0"/>
@@ -4123,7 +4123,7 @@
           </a:p>
           <a:p>
             <a:r>
-              <a:rPr lang="en-US" sz="4096" b="1" dirty="0">
+              <a:rPr lang="en-US" sz="2292" b="1" dirty="0">
                 <a:latin typeface="Tahoma" panose="020B0604030504040204" pitchFamily="34" charset="0"/>
                 <a:ea typeface="Tahoma" panose="020B0604030504040204" pitchFamily="34" charset="0"/>
                 <a:cs typeface="Tahoma" panose="020B0604030504040204" pitchFamily="34" charset="0"/>
@@ -4131,7 +4131,7 @@
               <a:t>Processing</a:t>
             </a:r>
             <a:r>
-              <a:rPr lang="en-US" sz="4096" dirty="0">
+              <a:rPr lang="en-US" sz="2292" dirty="0">
                 <a:latin typeface="Tahoma" panose="020B0604030504040204" pitchFamily="34" charset="0"/>
                 <a:ea typeface="Tahoma" panose="020B0604030504040204" pitchFamily="34" charset="0"/>
                 <a:cs typeface="Tahoma" panose="020B0604030504040204" pitchFamily="34" charset="0"/>
@@ -4139,7 +4139,7 @@
               <a:t>: </a:t>
             </a:r>
             <a:r>
-              <a:rPr lang="el-GR" sz="4096" dirty="0">
+              <a:rPr lang="el-GR" sz="2292" dirty="0">
                 <a:latin typeface="Tahoma" panose="020B0604030504040204" pitchFamily="34" charset="0"/>
                 <a:ea typeface="Tahoma" panose="020B0604030504040204" pitchFamily="34" charset="0"/>
                 <a:cs typeface="Tahoma" panose="020B0604030504040204" pitchFamily="34" charset="0"/>
@@ -4147,7 +4147,7 @@
               <a:t>Δ</a:t>
             </a:r>
             <a:r>
-              <a:rPr lang="en-US" sz="4096" dirty="0">
+              <a:rPr lang="en-US" sz="2292" dirty="0">
                 <a:latin typeface="Tahoma" panose="020B0604030504040204" pitchFamily="34" charset="0"/>
                 <a:ea typeface="Tahoma" panose="020B0604030504040204" pitchFamily="34" charset="0"/>
                 <a:cs typeface="Tahoma" panose="020B0604030504040204" pitchFamily="34" charset="0"/>
@@ -4173,8 +4173,8 @@
         </p:nvSpPr>
         <p:spPr>
           <a:xfrm>
-            <a:off x="10229644" y="20779394"/>
-            <a:ext cx="752723" cy="516374"/>
+            <a:off x="12973521" y="21293062"/>
+            <a:ext cx="421177" cy="288931"/>
           </a:xfrm>
           <a:prstGeom prst="rect">
             <a:avLst/>
@@ -4199,7 +4199,7 @@
               </a:spcAft>
             </a:pPr>
             <a:r>
-              <a:rPr lang="en-US" sz="2048" kern="1200">
+              <a:rPr lang="en-US" sz="1146" kern="1200">
                 <a:solidFill>
                   <a:srgbClr val="FFFFFF"/>
                 </a:solidFill>
@@ -4229,8 +4229,8 @@
         </p:nvSpPr>
         <p:spPr>
           <a:xfrm>
-            <a:off x="19845986" y="20779394"/>
-            <a:ext cx="501816" cy="516374"/>
+            <a:off x="18354238" y="21293062"/>
+            <a:ext cx="280785" cy="288931"/>
           </a:xfrm>
           <a:prstGeom prst="rect">
             <a:avLst/>
@@ -4295,8 +4295,8 @@
         </p:blipFill>
         <p:spPr>
           <a:xfrm>
-            <a:off x="19121789" y="10232525"/>
-            <a:ext cx="7074906" cy="5159884"/>
+            <a:off x="17949021" y="15391679"/>
+            <a:ext cx="3958684" cy="2887155"/>
           </a:xfrm>
           <a:prstGeom prst="rect">
             <a:avLst/>
@@ -4317,8 +4317,8 @@
         </p:nvGrpSpPr>
         <p:grpSpPr>
           <a:xfrm>
-            <a:off x="6872908" y="9834233"/>
-            <a:ext cx="2617473" cy="5306317"/>
+            <a:off x="11095297" y="15168820"/>
+            <a:ext cx="1464578" cy="2969090"/>
             <a:chOff x="1038624" y="1631125"/>
             <a:chExt cx="2339631" cy="3493737"/>
           </a:xfrm>
@@ -4455,8 +4455,8 @@
         </p:nvCxnSpPr>
         <p:spPr>
           <a:xfrm>
-            <a:off x="9863106" y="12666889"/>
-            <a:ext cx="1580700" cy="0"/>
+            <a:off x="12768429" y="16753801"/>
+            <a:ext cx="884463" cy="0"/>
           </a:xfrm>
           <a:prstGeom prst="straightConnector1">
             <a:avLst/>
@@ -4499,8 +4499,8 @@
         </p:nvCxnSpPr>
         <p:spPr>
           <a:xfrm>
-            <a:off x="17960927" y="12812465"/>
-            <a:ext cx="1160861" cy="0"/>
+            <a:off x="17299474" y="16835256"/>
+            <a:ext cx="649547" cy="0"/>
           </a:xfrm>
           <a:prstGeom prst="straightConnector1">
             <a:avLst/>
@@ -4555,8 +4555,8 @@
         </p:blipFill>
         <p:spPr>
           <a:xfrm>
-            <a:off x="7262608" y="25069724"/>
-            <a:ext cx="18437572" cy="8398363"/>
+            <a:off x="11313349" y="23693669"/>
+            <a:ext cx="10316538" cy="4699210"/>
           </a:xfrm>
           <a:prstGeom prst="rect">
             <a:avLst/>
@@ -4586,8 +4586,8 @@
         </p:blipFill>
         <p:spPr>
           <a:xfrm>
-            <a:off x="28723464" y="7512615"/>
-            <a:ext cx="14903708" cy="6017633"/>
+            <a:off x="23321532" y="13869784"/>
+            <a:ext cx="8339204" cy="3367099"/>
           </a:xfrm>
           <a:prstGeom prst="rect">
             <a:avLst/>
@@ -4609,8 +4609,8 @@
         </p:nvSpPr>
         <p:spPr>
           <a:xfrm>
-            <a:off x="26908317" y="19735357"/>
-            <a:ext cx="19138725" cy="1756280"/>
+            <a:off x="22305887" y="20708883"/>
+            <a:ext cx="10708860" cy="982706"/>
           </a:xfrm>
           <a:prstGeom prst="rect">
             <a:avLst/>
@@ -4632,7 +4632,7 @@
               </a:spcBef>
             </a:pPr>
             <a:r>
-              <a:rPr lang="en-US" sz="3218" dirty="0">
+              <a:rPr lang="en-US" sz="1801" dirty="0">
                 <a:solidFill>
                   <a:srgbClr val="00346B"/>
                 </a:solidFill>
@@ -4642,7 +4642,7 @@
               <a:t>Figure</a:t>
             </a:r>
             <a:r>
-              <a:rPr lang="en-US" sz="3218" spc="35" dirty="0">
+              <a:rPr lang="en-US" sz="1801" spc="35" dirty="0">
                 <a:solidFill>
                   <a:srgbClr val="00346B"/>
                 </a:solidFill>
@@ -4652,7 +4652,7 @@
               <a:t> </a:t>
             </a:r>
             <a:r>
-              <a:rPr lang="en-US" sz="3218" spc="-10" dirty="0">
+              <a:rPr lang="en-US" sz="1801" spc="-10" dirty="0">
                 <a:solidFill>
                   <a:srgbClr val="00346B"/>
                 </a:solidFill>
@@ -4662,7 +4662,7 @@
               <a:t>6.</a:t>
             </a:r>
             <a:r>
-              <a:rPr lang="en-US" sz="3218" spc="-5" dirty="0">
+              <a:rPr lang="en-US" sz="1801" spc="-5" dirty="0">
                 <a:solidFill>
                   <a:srgbClr val="00346B"/>
                 </a:solidFill>
@@ -4672,7 +4672,7 @@
               <a:t> </a:t>
             </a:r>
             <a:r>
-              <a:rPr lang="en-US" sz="3218" dirty="0"/>
+              <a:rPr lang="en-US" sz="1801" dirty="0"/>
               <a:t>Correlation matrices showing changes in functional connectivity across cortical areas (knockdown minus control). Red indicates increased connectivity in knockdown; blue indicates decreased connectivity.</a:t>
             </a:r>
             <a:endParaRPr lang="en-US" sz="1100" dirty="0">
@@ -4696,8 +4696,8 @@
         </p:nvSpPr>
         <p:spPr>
           <a:xfrm>
-            <a:off x="19667916" y="15685724"/>
-            <a:ext cx="6910668" cy="582340"/>
+            <a:off x="18254601" y="18442956"/>
+            <a:ext cx="3866787" cy="325842"/>
           </a:xfrm>
           <a:prstGeom prst="rect">
             <a:avLst/>
@@ -4750,8 +4750,8 @@
         </p:nvSpPr>
         <p:spPr>
           <a:xfrm>
-            <a:off x="26908317" y="28895027"/>
-            <a:ext cx="18501088" cy="1756280"/>
+            <a:off x="22305887" y="25834074"/>
+            <a:ext cx="10352077" cy="982706"/>
           </a:xfrm>
           <a:prstGeom prst="rect">
             <a:avLst/>
@@ -4773,7 +4773,7 @@
               </a:spcBef>
             </a:pPr>
             <a:r>
-              <a:rPr lang="en-US" sz="3218" dirty="0">
+              <a:rPr lang="en-US" sz="1801" dirty="0">
                 <a:solidFill>
                   <a:srgbClr val="00346B"/>
                 </a:solidFill>
@@ -4783,7 +4783,7 @@
               <a:t>Figure</a:t>
             </a:r>
             <a:r>
-              <a:rPr lang="en-US" sz="3218" spc="35" dirty="0">
+              <a:rPr lang="en-US" sz="1801" spc="35" dirty="0">
                 <a:solidFill>
                   <a:srgbClr val="00346B"/>
                 </a:solidFill>
@@ -4793,7 +4793,7 @@
               <a:t> </a:t>
             </a:r>
             <a:r>
-              <a:rPr lang="en-US" sz="3218" spc="-10" dirty="0">
+              <a:rPr lang="en-US" sz="1801" spc="-10" dirty="0">
                 <a:solidFill>
                   <a:srgbClr val="00346B"/>
                 </a:solidFill>
@@ -4803,7 +4803,7 @@
               <a:t>7.</a:t>
             </a:r>
             <a:r>
-              <a:rPr lang="en-US" sz="3218" spc="-5" dirty="0">
+              <a:rPr lang="en-US" sz="1801" spc="-5" dirty="0">
                 <a:solidFill>
                   <a:srgbClr val="00346B"/>
                 </a:solidFill>
@@ -4813,23 +4813,23 @@
               <a:t> </a:t>
             </a:r>
             <a:r>
-              <a:rPr lang="en-US" sz="3218" dirty="0"/>
+              <a:rPr lang="en-US" sz="1801" dirty="0"/>
               <a:t>(</a:t>
             </a:r>
             <a:r>
-              <a:rPr lang="en-US" sz="3218" i="1" dirty="0"/>
+              <a:rPr lang="en-US" sz="1801" i="1" dirty="0"/>
               <a:t>left) </a:t>
             </a:r>
             <a:r>
-              <a:rPr lang="en-US" sz="3218" dirty="0"/>
+              <a:rPr lang="en-US" sz="1801" dirty="0"/>
               <a:t>Cross-gene validation matrix showing how models trained on one gene can detect autism in other genes, supporting convergent pathways. (</a:t>
             </a:r>
             <a:r>
-              <a:rPr lang="en-US" sz="3218" i="1" dirty="0"/>
+              <a:rPr lang="en-US" sz="1801" i="1" dirty="0"/>
               <a:t>right) </a:t>
             </a:r>
             <a:r>
-              <a:rPr lang="en-US" sz="3218" dirty="0"/>
+              <a:rPr lang="en-US" sz="1801" dirty="0"/>
               <a:t>Performance distribution in same gene vs cross gene.</a:t>
             </a:r>
             <a:endParaRPr lang="en-US" sz="1100" dirty="0">
@@ -4853,8 +4853,8 @@
         </p:nvSpPr>
         <p:spPr>
           <a:xfrm>
-            <a:off x="26975966" y="35251676"/>
-            <a:ext cx="19138725" cy="3512563"/>
+            <a:off x="22343739" y="29390867"/>
+            <a:ext cx="10708860" cy="1965415"/>
           </a:xfrm>
           <a:prstGeom prst="rect">
             <a:avLst/>
@@ -4868,31 +4868,31 @@
           <a:lstStyle/>
           <a:p>
             <a:r>
-              <a:rPr lang="en-US" sz="3511" b="1" dirty="0"/>
+              <a:rPr lang="en-US" sz="1964" b="1" dirty="0"/>
               <a:t>Technical Optimization</a:t>
             </a:r>
             <a:r>
-              <a:rPr lang="en-US" sz="3511" dirty="0"/>
+              <a:rPr lang="en-US" sz="1964" dirty="0"/>
               <a:t>: Reduce train-validation gap through architectural improvements and regularization strategies</a:t>
             </a:r>
           </a:p>
           <a:p>
             <a:r>
-              <a:rPr lang="en-US" sz="3511" b="1" dirty="0"/>
+              <a:rPr lang="en-US" sz="1964" b="1" dirty="0"/>
               <a:t>Analyze brain state-dependent effects: </a:t>
             </a:r>
             <a:r>
-              <a:rPr lang="en-US" sz="3511" dirty="0"/>
+              <a:rPr lang="en-US" sz="1964" dirty="0"/>
               <a:t>Analyze Quiescence and Arousal data in respect to locomotion of wheel to find new answers in correlation to the convergent neural phenotypes.</a:t>
             </a:r>
           </a:p>
           <a:p>
             <a:r>
-              <a:rPr lang="en-US" sz="3511" b="1" dirty="0"/>
+              <a:rPr lang="en-US" sz="1964" b="1" dirty="0"/>
               <a:t>Clinical Relevance: </a:t>
             </a:r>
             <a:r>
-              <a:rPr lang="en-US" sz="3511" dirty="0"/>
+              <a:rPr lang="en-US" sz="1964" dirty="0"/>
               <a:t>Demonstrates feasibility of objective biomarkers for early autism screening.</a:t>
             </a:r>
             <a:endParaRPr lang="en-US" sz="1200" b="1" dirty="0"/>
@@ -4913,8 +4913,8 @@
         </p:nvSpPr>
         <p:spPr>
           <a:xfrm>
-            <a:off x="19135039" y="31245915"/>
-            <a:ext cx="2006879" cy="2058064"/>
+            <a:off x="17956436" y="27149487"/>
+            <a:ext cx="1122927" cy="1151566"/>
           </a:xfrm>
           <a:prstGeom prst="rect">
             <a:avLst/>
@@ -4965,8 +4965,8 @@
         </p:nvSpPr>
         <p:spPr>
           <a:xfrm>
-            <a:off x="18689066" y="31729609"/>
-            <a:ext cx="2898826" cy="1080788"/>
+            <a:off x="17706896" y="27420133"/>
+            <a:ext cx="1622005" cy="604743"/>
           </a:xfrm>
           <a:prstGeom prst="rect">
             <a:avLst/>
@@ -4981,7 +4981,7 @@
           <a:p>
             <a:pPr algn="ctr"/>
             <a:r>
-              <a:rPr lang="en-US" sz="2633" dirty="0"/>
+              <a:rPr lang="en-US" sz="1473" dirty="0"/>
               <a:t>Binary Classification</a:t>
             </a:r>
           </a:p>
@@ -4995,8 +4995,8 @@
         </p:nvSpPr>
         <p:spPr>
           <a:xfrm>
-            <a:off x="27313070" y="13479643"/>
-            <a:ext cx="17799907" cy="1041385"/>
+            <a:off x="22532362" y="17208568"/>
+            <a:ext cx="9959739" cy="582695"/>
           </a:xfrm>
           <a:prstGeom prst="rect">
             <a:avLst/>
@@ -5017,7 +5017,7 @@
               </a:spcBef>
             </a:pPr>
             <a:r>
-              <a:rPr sz="3218" dirty="0">
+              <a:rPr sz="1801" dirty="0">
                 <a:solidFill>
                   <a:srgbClr val="00346B"/>
                 </a:solidFill>
@@ -5027,7 +5027,7 @@
               <a:t>Figure</a:t>
             </a:r>
             <a:r>
-              <a:rPr sz="3218" spc="35" dirty="0">
+              <a:rPr sz="1801" spc="35" dirty="0">
                 <a:solidFill>
                   <a:srgbClr val="00346B"/>
                 </a:solidFill>
@@ -5037,7 +5037,7 @@
               <a:t> </a:t>
             </a:r>
             <a:r>
-              <a:rPr sz="3218" spc="-10" dirty="0">
+              <a:rPr sz="1801" spc="-10" dirty="0">
                 <a:solidFill>
                   <a:srgbClr val="00346B"/>
                 </a:solidFill>
@@ -5047,7 +5047,7 @@
               <a:t>5.</a:t>
             </a:r>
             <a:r>
-              <a:rPr sz="3218" spc="-5" dirty="0">
+              <a:rPr sz="1801" spc="-5" dirty="0">
                 <a:solidFill>
                   <a:srgbClr val="00346B"/>
                 </a:solidFill>
@@ -5057,22 +5057,22 @@
               <a:t> </a:t>
             </a:r>
             <a:r>
-              <a:rPr lang="en-US" sz="3218" dirty="0">
+              <a:rPr lang="en-US" sz="1801" dirty="0">
                 <a:latin typeface="Tahoma"/>
                 <a:cs typeface="Tahoma"/>
               </a:rPr>
               <a:t>Model Performance - </a:t>
             </a:r>
             <a:r>
-              <a:rPr lang="en-US" sz="3218" dirty="0"/>
+              <a:rPr lang="en-US" sz="1801" dirty="0"/>
               <a:t>Training dynamics show convergence without overfitting. </a:t>
             </a:r>
             <a:r>
-              <a:rPr lang="en-US" sz="3218" b="1" dirty="0"/>
+              <a:rPr lang="en-US" sz="1801" b="1" dirty="0"/>
               <a:t>Test accuracy: 81.97%, </a:t>
             </a:r>
             <a:r>
-              <a:rPr lang="en-US" sz="3218" dirty="0"/>
+              <a:rPr lang="en-US" sz="1801" dirty="0"/>
               <a:t>Sensitivity: 84.53%, Specificity: 78.64%. </a:t>
             </a:r>
             <a:endParaRPr sz="1100" dirty="0">
@@ -5096,8 +5096,8 @@
         </p:nvSpPr>
         <p:spPr>
           <a:xfrm rot="5400000">
-            <a:off x="-12009949" y="23902407"/>
-            <a:ext cx="36979507" cy="509846"/>
+            <a:off x="529604" y="23040509"/>
+            <a:ext cx="20691470" cy="285278"/>
           </a:xfrm>
           <a:custGeom>
             <a:avLst/>
@@ -5144,8 +5144,8 @@
         </p:nvSpPr>
         <p:spPr>
           <a:xfrm rot="5400000">
-            <a:off x="7099403" y="24246792"/>
-            <a:ext cx="37904424" cy="523755"/>
+            <a:off x="11222030" y="23233206"/>
+            <a:ext cx="21208998" cy="293061"/>
           </a:xfrm>
           <a:custGeom>
             <a:avLst/>
@@ -5200,8 +5200,8 @@
         </p:blipFill>
         <p:spPr>
           <a:xfrm>
-            <a:off x="34861966" y="21215017"/>
-            <a:ext cx="10637936" cy="7470918"/>
+            <a:off x="26756263" y="21536810"/>
+            <a:ext cx="5952338" cy="4180268"/>
           </a:xfrm>
           <a:prstGeom prst="rect">
             <a:avLst/>
